--- a/20242-NLP-LLM/Part 1 - Introduction to NLP/1.1-introduction to NLP lecture notes.pptx
+++ b/20242-NLP-LLM/Part 1 - Introduction to NLP/1.1-introduction to NLP lecture notes.pptx
@@ -169,13 +169,979 @@
 <file path=ppt/revisionInfo.xml><?xml version="1.0" encoding="utf-8"?>
 <p1510:revInfo xmlns:a="http://schemas.openxmlformats.org/drawingml/2006/main" xmlns:r="http://schemas.openxmlformats.org/officeDocument/2006/relationships" xmlns:p1510="http://schemas.microsoft.com/office/powerpoint/2015/10/main">
   <p1510:revLst>
-    <p1510:client id="{743DE9A7-FD69-D988-D276-D6EB926D7F18}" v="73" dt="2025-04-15T04:05:45.740"/>
+    <p1510:client id="{C76591E3-3621-40DC-ACB3-E3AE46F9CD6C}" v="4" dt="2025-05-18T04:02:42.405"/>
   </p1510:revLst>
 </p1510:revInfo>
 </file>
 
 <file path=ppt/changesInfos/changesInfo1.xml><?xml version="1.0" encoding="utf-8"?>
 <pc:chgInfo xmlns:a="http://schemas.openxmlformats.org/drawingml/2006/main" xmlns:r="http://schemas.openxmlformats.org/officeDocument/2006/relationships" xmlns:ac="http://schemas.microsoft.com/office/drawing/2013/main/command" xmlns:pc="http://schemas.microsoft.com/office/powerpoint/2013/main/command">
+  <pc:docChgLst>
+    <pc:chgData name="Mohammed Fasha" userId="cc64f42d-a1a6-4f08-b97b-0c37f877119f" providerId="ADAL" clId="{4C71ED24-115E-432D-933D-C801DA3E52F1}"/>
+    <pc:docChg chg="delSld">
+      <pc:chgData name="Mohammed Fasha" userId="cc64f42d-a1a6-4f08-b97b-0c37f877119f" providerId="ADAL" clId="{4C71ED24-115E-432D-933D-C801DA3E52F1}" dt="2024-12-29T03:12:49.974" v="2" actId="47"/>
+      <pc:docMkLst>
+        <pc:docMk/>
+      </pc:docMkLst>
+      <pc:sldChg chg="del">
+        <pc:chgData name="Mohammed Fasha" userId="cc64f42d-a1a6-4f08-b97b-0c37f877119f" providerId="ADAL" clId="{4C71ED24-115E-432D-933D-C801DA3E52F1}" dt="2024-12-29T03:12:48.360" v="0" actId="47"/>
+        <pc:sldMkLst>
+          <pc:docMk/>
+          <pc:sldMk cId="2341000601" sldId="701"/>
+        </pc:sldMkLst>
+      </pc:sldChg>
+      <pc:sldChg chg="del">
+        <pc:chgData name="Mohammed Fasha" userId="cc64f42d-a1a6-4f08-b97b-0c37f877119f" providerId="ADAL" clId="{4C71ED24-115E-432D-933D-C801DA3E52F1}" dt="2024-12-29T03:12:49.133" v="1" actId="47"/>
+        <pc:sldMkLst>
+          <pc:docMk/>
+          <pc:sldMk cId="3519698944" sldId="702"/>
+        </pc:sldMkLst>
+      </pc:sldChg>
+      <pc:sldChg chg="del">
+        <pc:chgData name="Mohammed Fasha" userId="cc64f42d-a1a6-4f08-b97b-0c37f877119f" providerId="ADAL" clId="{4C71ED24-115E-432D-933D-C801DA3E52F1}" dt="2024-12-29T03:12:49.974" v="2" actId="47"/>
+        <pc:sldMkLst>
+          <pc:docMk/>
+          <pc:sldMk cId="3934257344" sldId="703"/>
+        </pc:sldMkLst>
+      </pc:sldChg>
+    </pc:docChg>
+  </pc:docChgLst>
+  <pc:docChgLst>
+    <pc:chgData name="Mohammed Fasha" userId="S::mohammed.fasha@uop.edu.jo::cc64f42d-a1a6-4f08-b97b-0c37f877119f" providerId="AD" clId="Web-{743DE9A7-FD69-D988-D276-D6EB926D7F18}"/>
+    <pc:docChg chg="addSld modSld">
+      <pc:chgData name="Mohammed Fasha" userId="S::mohammed.fasha@uop.edu.jo::cc64f42d-a1a6-4f08-b97b-0c37f877119f" providerId="AD" clId="Web-{743DE9A7-FD69-D988-D276-D6EB926D7F18}" dt="2025-04-15T04:05:42.927" v="69" actId="20577"/>
+      <pc:docMkLst>
+        <pc:docMk/>
+      </pc:docMkLst>
+      <pc:sldChg chg="addSp delSp modSp new">
+        <pc:chgData name="Mohammed Fasha" userId="S::mohammed.fasha@uop.edu.jo::cc64f42d-a1a6-4f08-b97b-0c37f877119f" providerId="AD" clId="Web-{743DE9A7-FD69-D988-D276-D6EB926D7F18}" dt="2025-04-15T04:05:33.208" v="66"/>
+        <pc:sldMkLst>
+          <pc:docMk/>
+          <pc:sldMk cId="284403422" sldId="309"/>
+        </pc:sldMkLst>
+        <pc:spChg chg="mod">
+          <ac:chgData name="Mohammed Fasha" userId="S::mohammed.fasha@uop.edu.jo::cc64f42d-a1a6-4f08-b97b-0c37f877119f" providerId="AD" clId="Web-{743DE9A7-FD69-D988-D276-D6EB926D7F18}" dt="2025-04-15T04:05:30.271" v="65" actId="20577"/>
+          <ac:spMkLst>
+            <pc:docMk/>
+            <pc:sldMk cId="284403422" sldId="309"/>
+            <ac:spMk id="2" creationId="{E5CA6D79-3C67-3363-E0F5-5521910B22CB}"/>
+          </ac:spMkLst>
+        </pc:spChg>
+        <pc:picChg chg="add mod">
+          <ac:chgData name="Mohammed Fasha" userId="S::mohammed.fasha@uop.edu.jo::cc64f42d-a1a6-4f08-b97b-0c37f877119f" providerId="AD" clId="Web-{743DE9A7-FD69-D988-D276-D6EB926D7F18}" dt="2025-04-15T04:05:11.770" v="47" actId="1076"/>
+          <ac:picMkLst>
+            <pc:docMk/>
+            <pc:sldMk cId="284403422" sldId="309"/>
+            <ac:picMk id="9" creationId="{23D4CC23-AF9C-9389-BF94-A91C5AA33C67}"/>
+          </ac:picMkLst>
+        </pc:picChg>
+      </pc:sldChg>
+      <pc:sldChg chg="addSp delSp modSp new">
+        <pc:chgData name="Mohammed Fasha" userId="S::mohammed.fasha@uop.edu.jo::cc64f42d-a1a6-4f08-b97b-0c37f877119f" providerId="AD" clId="Web-{743DE9A7-FD69-D988-D276-D6EB926D7F18}" dt="2025-04-15T04:05:42.927" v="69" actId="20577"/>
+        <pc:sldMkLst>
+          <pc:docMk/>
+          <pc:sldMk cId="3625093760" sldId="310"/>
+        </pc:sldMkLst>
+        <pc:spChg chg="mod">
+          <ac:chgData name="Mohammed Fasha" userId="S::mohammed.fasha@uop.edu.jo::cc64f42d-a1a6-4f08-b97b-0c37f877119f" providerId="AD" clId="Web-{743DE9A7-FD69-D988-D276-D6EB926D7F18}" dt="2025-04-15T04:05:42.927" v="69" actId="20577"/>
+          <ac:spMkLst>
+            <pc:docMk/>
+            <pc:sldMk cId="3625093760" sldId="310"/>
+            <ac:spMk id="2" creationId="{B0235584-557D-ACA7-77F1-498EAFF042C5}"/>
+          </ac:spMkLst>
+        </pc:spChg>
+        <pc:picChg chg="add mod ord">
+          <ac:chgData name="Mohammed Fasha" userId="S::mohammed.fasha@uop.edu.jo::cc64f42d-a1a6-4f08-b97b-0c37f877119f" providerId="AD" clId="Web-{743DE9A7-FD69-D988-D276-D6EB926D7F18}" dt="2025-04-15T04:04:08.440" v="20" actId="1076"/>
+          <ac:picMkLst>
+            <pc:docMk/>
+            <pc:sldMk cId="3625093760" sldId="310"/>
+            <ac:picMk id="4" creationId="{3778BDC6-93A7-B306-D888-BF7B3767383C}"/>
+          </ac:picMkLst>
+        </pc:picChg>
+      </pc:sldChg>
+    </pc:docChg>
+  </pc:docChgLst>
+  <pc:docChgLst>
+    <pc:chgData name="Mohammed Fasha" userId="cc64f42d-a1a6-4f08-b97b-0c37f877119f" providerId="ADAL" clId="{18637E31-0E18-4A5A-AC68-AF9D3439D974}"/>
+    <pc:docChg chg="undo custSel delSld modSld sldOrd">
+      <pc:chgData name="Mohammed Fasha" userId="cc64f42d-a1a6-4f08-b97b-0c37f877119f" providerId="ADAL" clId="{18637E31-0E18-4A5A-AC68-AF9D3439D974}" dt="2025-03-25T08:02:14.603" v="201" actId="113"/>
+      <pc:docMkLst>
+        <pc:docMk/>
+      </pc:docMkLst>
+      <pc:sldChg chg="del">
+        <pc:chgData name="Mohammed Fasha" userId="cc64f42d-a1a6-4f08-b97b-0c37f877119f" providerId="ADAL" clId="{18637E31-0E18-4A5A-AC68-AF9D3439D974}" dt="2025-03-25T07:35:56.861" v="5" actId="2696"/>
+        <pc:sldMkLst>
+          <pc:docMk/>
+          <pc:sldMk cId="0" sldId="273"/>
+        </pc:sldMkLst>
+      </pc:sldChg>
+      <pc:sldChg chg="ord">
+        <pc:chgData name="Mohammed Fasha" userId="cc64f42d-a1a6-4f08-b97b-0c37f877119f" providerId="ADAL" clId="{18637E31-0E18-4A5A-AC68-AF9D3439D974}" dt="2025-03-25T07:35:51.921" v="4"/>
+        <pc:sldMkLst>
+          <pc:docMk/>
+          <pc:sldMk cId="0" sldId="274"/>
+        </pc:sldMkLst>
+      </pc:sldChg>
+      <pc:sldChg chg="addSp delSp modSp mod">
+        <pc:chgData name="Mohammed Fasha" userId="cc64f42d-a1a6-4f08-b97b-0c37f877119f" providerId="ADAL" clId="{18637E31-0E18-4A5A-AC68-AF9D3439D974}" dt="2025-03-25T07:52:52.611" v="43" actId="1076"/>
+        <pc:sldMkLst>
+          <pc:docMk/>
+          <pc:sldMk cId="0" sldId="275"/>
+        </pc:sldMkLst>
+        <pc:spChg chg="mod">
+          <ac:chgData name="Mohammed Fasha" userId="cc64f42d-a1a6-4f08-b97b-0c37f877119f" providerId="ADAL" clId="{18637E31-0E18-4A5A-AC68-AF9D3439D974}" dt="2025-03-25T07:36:05.331" v="15" actId="20577"/>
+          <ac:spMkLst>
+            <pc:docMk/>
+            <pc:sldMk cId="0" sldId="275"/>
+            <ac:spMk id="145" creationId="{00000000-0000-0000-0000-000000000000}"/>
+          </ac:spMkLst>
+        </pc:spChg>
+        <pc:spChg chg="mod">
+          <ac:chgData name="Mohammed Fasha" userId="cc64f42d-a1a6-4f08-b97b-0c37f877119f" providerId="ADAL" clId="{18637E31-0E18-4A5A-AC68-AF9D3439D974}" dt="2025-03-25T07:52:49.123" v="42" actId="14100"/>
+          <ac:spMkLst>
+            <pc:docMk/>
+            <pc:sldMk cId="0" sldId="275"/>
+            <ac:spMk id="146" creationId="{00000000-0000-0000-0000-000000000000}"/>
+          </ac:spMkLst>
+        </pc:spChg>
+        <pc:picChg chg="add mod">
+          <ac:chgData name="Mohammed Fasha" userId="cc64f42d-a1a6-4f08-b97b-0c37f877119f" providerId="ADAL" clId="{18637E31-0E18-4A5A-AC68-AF9D3439D974}" dt="2025-03-25T07:52:52.611" v="43" actId="1076"/>
+          <ac:picMkLst>
+            <pc:docMk/>
+            <pc:sldMk cId="0" sldId="275"/>
+            <ac:picMk id="3" creationId="{15EEB7E5-33DF-486D-A03F-C24FCFB0A2BF}"/>
+          </ac:picMkLst>
+        </pc:picChg>
+      </pc:sldChg>
+      <pc:sldChg chg="modSp mod">
+        <pc:chgData name="Mohammed Fasha" userId="cc64f42d-a1a6-4f08-b97b-0c37f877119f" providerId="ADAL" clId="{18637E31-0E18-4A5A-AC68-AF9D3439D974}" dt="2025-03-25T08:02:14.603" v="201" actId="113"/>
+        <pc:sldMkLst>
+          <pc:docMk/>
+          <pc:sldMk cId="0" sldId="276"/>
+        </pc:sldMkLst>
+        <pc:spChg chg="mod">
+          <ac:chgData name="Mohammed Fasha" userId="cc64f42d-a1a6-4f08-b97b-0c37f877119f" providerId="ADAL" clId="{18637E31-0E18-4A5A-AC68-AF9D3439D974}" dt="2025-03-25T07:55:25.446" v="46" actId="14100"/>
+          <ac:spMkLst>
+            <pc:docMk/>
+            <pc:sldMk cId="0" sldId="276"/>
+            <ac:spMk id="151" creationId="{00000000-0000-0000-0000-000000000000}"/>
+          </ac:spMkLst>
+        </pc:spChg>
+      </pc:sldChg>
+      <pc:sldChg chg="modSp mod">
+        <pc:chgData name="Mohammed Fasha" userId="cc64f42d-a1a6-4f08-b97b-0c37f877119f" providerId="ADAL" clId="{18637E31-0E18-4A5A-AC68-AF9D3439D974}" dt="2025-03-25T07:35:39.640" v="0" actId="21"/>
+        <pc:sldMkLst>
+          <pc:docMk/>
+          <pc:sldMk cId="3862054301" sldId="293"/>
+        </pc:sldMkLst>
+        <pc:spChg chg="mod">
+          <ac:chgData name="Mohammed Fasha" userId="cc64f42d-a1a6-4f08-b97b-0c37f877119f" providerId="ADAL" clId="{18637E31-0E18-4A5A-AC68-AF9D3439D974}" dt="2025-03-25T07:35:39.640" v="0" actId="21"/>
+          <ac:spMkLst>
+            <pc:docMk/>
+            <pc:sldMk cId="3862054301" sldId="293"/>
+            <ac:spMk id="3" creationId="{8AEDF9A6-3E2A-ECD5-AC94-898AAFEDC346}"/>
+          </ac:spMkLst>
+        </pc:spChg>
+      </pc:sldChg>
+    </pc:docChg>
+  </pc:docChgLst>
+  <pc:docChgLst>
+    <pc:chgData name="Mohammed Fasha" userId="cc64f42d-a1a6-4f08-b97b-0c37f877119f" providerId="ADAL" clId="{5980B3BB-4EB6-4E37-92BF-3A2A8F4B2C7A}"/>
+    <pc:docChg chg="custSel modSld">
+      <pc:chgData name="Mohammed Fasha" userId="cc64f42d-a1a6-4f08-b97b-0c37f877119f" providerId="ADAL" clId="{5980B3BB-4EB6-4E37-92BF-3A2A8F4B2C7A}" dt="2024-10-15T02:28:13.535" v="0" actId="478"/>
+      <pc:docMkLst>
+        <pc:docMk/>
+      </pc:docMkLst>
+      <pc:sldChg chg="delSp mod">
+        <pc:chgData name="Mohammed Fasha" userId="cc64f42d-a1a6-4f08-b97b-0c37f877119f" providerId="ADAL" clId="{5980B3BB-4EB6-4E37-92BF-3A2A8F4B2C7A}" dt="2024-10-15T02:28:13.535" v="0" actId="478"/>
+        <pc:sldMkLst>
+          <pc:docMk/>
+          <pc:sldMk cId="2297456757" sldId="483"/>
+        </pc:sldMkLst>
+      </pc:sldChg>
+    </pc:docChg>
+  </pc:docChgLst>
+  <pc:docChgLst>
+    <pc:chgData name="Mohammed Fasha" userId="cc64f42d-a1a6-4f08-b97b-0c37f877119f" providerId="ADAL" clId="{2E5FBF59-3168-4932-9518-582502FE1AD5}"/>
+    <pc:docChg chg="undo custSel delSld modSld">
+      <pc:chgData name="Mohammed Fasha" userId="cc64f42d-a1a6-4f08-b97b-0c37f877119f" providerId="ADAL" clId="{2E5FBF59-3168-4932-9518-582502FE1AD5}" dt="2024-12-24T08:08:19.987" v="550" actId="20577"/>
+      <pc:docMkLst>
+        <pc:docMk/>
+      </pc:docMkLst>
+      <pc:sldChg chg="delSp">
+        <pc:chgData name="Mohammed Fasha" userId="cc64f42d-a1a6-4f08-b97b-0c37f877119f" providerId="ADAL" clId="{2E5FBF59-3168-4932-9518-582502FE1AD5}" dt="2024-11-19T07:40:47.121" v="208" actId="478"/>
+        <pc:sldMkLst>
+          <pc:docMk/>
+          <pc:sldMk cId="391491219" sldId="428"/>
+        </pc:sldMkLst>
+      </pc:sldChg>
+      <pc:sldChg chg="modSp">
+        <pc:chgData name="Mohammed Fasha" userId="cc64f42d-a1a6-4f08-b97b-0c37f877119f" providerId="ADAL" clId="{2E5FBF59-3168-4932-9518-582502FE1AD5}" dt="2024-12-03T07:43:58.007" v="456" actId="1076"/>
+        <pc:sldMkLst>
+          <pc:docMk/>
+          <pc:sldMk cId="3339445507" sldId="430"/>
+        </pc:sldMkLst>
+      </pc:sldChg>
+      <pc:sldChg chg="modSp">
+        <pc:chgData name="Mohammed Fasha" userId="cc64f42d-a1a6-4f08-b97b-0c37f877119f" providerId="ADAL" clId="{2E5FBF59-3168-4932-9518-582502FE1AD5}" dt="2024-12-03T07:45:08.136" v="474" actId="20577"/>
+        <pc:sldMkLst>
+          <pc:docMk/>
+          <pc:sldMk cId="3389046835" sldId="431"/>
+        </pc:sldMkLst>
+      </pc:sldChg>
+      <pc:sldChg chg="modSp">
+        <pc:chgData name="Mohammed Fasha" userId="cc64f42d-a1a6-4f08-b97b-0c37f877119f" providerId="ADAL" clId="{2E5FBF59-3168-4932-9518-582502FE1AD5}" dt="2024-11-10T06:33:09.727" v="37" actId="207"/>
+        <pc:sldMkLst>
+          <pc:docMk/>
+          <pc:sldMk cId="2726994946" sldId="479"/>
+        </pc:sldMkLst>
+      </pc:sldChg>
+      <pc:sldChg chg="modSp">
+        <pc:chgData name="Mohammed Fasha" userId="cc64f42d-a1a6-4f08-b97b-0c37f877119f" providerId="ADAL" clId="{2E5FBF59-3168-4932-9518-582502FE1AD5}" dt="2024-11-19T07:44:28.766" v="211" actId="20577"/>
+        <pc:sldMkLst>
+          <pc:docMk/>
+          <pc:sldMk cId="2297456757" sldId="483"/>
+        </pc:sldMkLst>
+      </pc:sldChg>
+      <pc:sldChg chg="modSp">
+        <pc:chgData name="Mohammed Fasha" userId="cc64f42d-a1a6-4f08-b97b-0c37f877119f" providerId="ADAL" clId="{2E5FBF59-3168-4932-9518-582502FE1AD5}" dt="2024-11-10T06:45:09.392" v="40" actId="20577"/>
+        <pc:sldMkLst>
+          <pc:docMk/>
+          <pc:sldMk cId="3474268344" sldId="596"/>
+        </pc:sldMkLst>
+      </pc:sldChg>
+      <pc:sldChg chg="modSp">
+        <pc:chgData name="Mohammed Fasha" userId="cc64f42d-a1a6-4f08-b97b-0c37f877119f" providerId="ADAL" clId="{2E5FBF59-3168-4932-9518-582502FE1AD5}" dt="2024-12-03T07:47:21.561" v="476" actId="6549"/>
+        <pc:sldMkLst>
+          <pc:docMk/>
+          <pc:sldMk cId="399592497" sldId="613"/>
+        </pc:sldMkLst>
+      </pc:sldChg>
+      <pc:sldChg chg="modSp">
+        <pc:chgData name="Mohammed Fasha" userId="cc64f42d-a1a6-4f08-b97b-0c37f877119f" providerId="ADAL" clId="{2E5FBF59-3168-4932-9518-582502FE1AD5}" dt="2024-12-03T07:49:02.980" v="478" actId="207"/>
+        <pc:sldMkLst>
+          <pc:docMk/>
+          <pc:sldMk cId="3329135496" sldId="617"/>
+        </pc:sldMkLst>
+      </pc:sldChg>
+      <pc:sldChg chg="modSp">
+        <pc:chgData name="Mohammed Fasha" userId="cc64f42d-a1a6-4f08-b97b-0c37f877119f" providerId="ADAL" clId="{2E5FBF59-3168-4932-9518-582502FE1AD5}" dt="2024-12-24T08:05:16.608" v="482" actId="403"/>
+        <pc:sldMkLst>
+          <pc:docMk/>
+          <pc:sldMk cId="2990045589" sldId="659"/>
+        </pc:sldMkLst>
+      </pc:sldChg>
+      <pc:sldChg chg="modSp">
+        <pc:chgData name="Mohammed Fasha" userId="cc64f42d-a1a6-4f08-b97b-0c37f877119f" providerId="ADAL" clId="{2E5FBF59-3168-4932-9518-582502FE1AD5}" dt="2024-12-24T08:08:19.987" v="550" actId="20577"/>
+        <pc:sldMkLst>
+          <pc:docMk/>
+          <pc:sldMk cId="2680231355" sldId="669"/>
+        </pc:sldMkLst>
+      </pc:sldChg>
+      <pc:sldChg chg="addSp modSp">
+        <pc:chgData name="Mohammed Fasha" userId="cc64f42d-a1a6-4f08-b97b-0c37f877119f" providerId="ADAL" clId="{2E5FBF59-3168-4932-9518-582502FE1AD5}" dt="2024-12-24T08:05:52.910" v="488" actId="1076"/>
+        <pc:sldMkLst>
+          <pc:docMk/>
+          <pc:sldMk cId="916102856" sldId="685"/>
+        </pc:sldMkLst>
+      </pc:sldChg>
+      <pc:sldChg chg="modSp">
+        <pc:chgData name="Mohammed Fasha" userId="cc64f42d-a1a6-4f08-b97b-0c37f877119f" providerId="ADAL" clId="{2E5FBF59-3168-4932-9518-582502FE1AD5}" dt="2024-11-19T07:03:29.557" v="206" actId="207"/>
+        <pc:sldMkLst>
+          <pc:docMk/>
+          <pc:sldMk cId="32004852" sldId="708"/>
+        </pc:sldMkLst>
+      </pc:sldChg>
+    </pc:docChg>
+  </pc:docChgLst>
+  <pc:docChgLst>
+    <pc:chgData name="Mohammed Fasha" userId="S::mohammed.fasha@uop.edu.jo::cc64f42d-a1a6-4f08-b97b-0c37f877119f" providerId="AD" clId="Web-{9DEFE369-4FE8-C0FA-AE89-88E89C96B65F}"/>
+    <pc:docChg chg="modSld">
+      <pc:chgData name="Mohammed Fasha" userId="S::mohammed.fasha@uop.edu.jo::cc64f42d-a1a6-4f08-b97b-0c37f877119f" providerId="AD" clId="Web-{9DEFE369-4FE8-C0FA-AE89-88E89C96B65F}" dt="2025-04-07T19:02:15.269" v="50" actId="1076"/>
+      <pc:docMkLst>
+        <pc:docMk/>
+      </pc:docMkLst>
+      <pc:sldChg chg="modSp">
+        <pc:chgData name="Mohammed Fasha" userId="S::mohammed.fasha@uop.edu.jo::cc64f42d-a1a6-4f08-b97b-0c37f877119f" providerId="AD" clId="Web-{9DEFE369-4FE8-C0FA-AE89-88E89C96B65F}" dt="2025-04-07T19:02:15.269" v="50" actId="1076"/>
+        <pc:sldMkLst>
+          <pc:docMk/>
+          <pc:sldMk cId="0" sldId="264"/>
+        </pc:sldMkLst>
+        <pc:picChg chg="mod">
+          <ac:chgData name="Mohammed Fasha" userId="S::mohammed.fasha@uop.edu.jo::cc64f42d-a1a6-4f08-b97b-0c37f877119f" providerId="AD" clId="Web-{9DEFE369-4FE8-C0FA-AE89-88E89C96B65F}" dt="2025-04-07T19:02:15.269" v="50" actId="1076"/>
+          <ac:picMkLst>
+            <pc:docMk/>
+            <pc:sldMk cId="0" sldId="264"/>
+            <ac:picMk id="115" creationId="{00000000-0000-0000-0000-000000000000}"/>
+          </ac:picMkLst>
+        </pc:picChg>
+      </pc:sldChg>
+      <pc:sldChg chg="modSp">
+        <pc:chgData name="Mohammed Fasha" userId="S::mohammed.fasha@uop.edu.jo::cc64f42d-a1a6-4f08-b97b-0c37f877119f" providerId="AD" clId="Web-{9DEFE369-4FE8-C0FA-AE89-88E89C96B65F}" dt="2025-04-07T19:02:08.988" v="49" actId="1076"/>
+        <pc:sldMkLst>
+          <pc:docMk/>
+          <pc:sldMk cId="0" sldId="265"/>
+        </pc:sldMkLst>
+        <pc:picChg chg="mod">
+          <ac:chgData name="Mohammed Fasha" userId="S::mohammed.fasha@uop.edu.jo::cc64f42d-a1a6-4f08-b97b-0c37f877119f" providerId="AD" clId="Web-{9DEFE369-4FE8-C0FA-AE89-88E89C96B65F}" dt="2025-04-07T19:02:08.988" v="49" actId="1076"/>
+          <ac:picMkLst>
+            <pc:docMk/>
+            <pc:sldMk cId="0" sldId="265"/>
+            <ac:picMk id="3" creationId="{68EA6CB0-BFE2-482A-D045-9E2274E13790}"/>
+          </ac:picMkLst>
+        </pc:picChg>
+      </pc:sldChg>
+      <pc:sldChg chg="modSp">
+        <pc:chgData name="Mohammed Fasha" userId="S::mohammed.fasha@uop.edu.jo::cc64f42d-a1a6-4f08-b97b-0c37f877119f" providerId="AD" clId="Web-{9DEFE369-4FE8-C0FA-AE89-88E89C96B65F}" dt="2025-04-07T19:02:02.675" v="48" actId="1076"/>
+        <pc:sldMkLst>
+          <pc:docMk/>
+          <pc:sldMk cId="0" sldId="266"/>
+        </pc:sldMkLst>
+        <pc:picChg chg="mod">
+          <ac:chgData name="Mohammed Fasha" userId="S::mohammed.fasha@uop.edu.jo::cc64f42d-a1a6-4f08-b97b-0c37f877119f" providerId="AD" clId="Web-{9DEFE369-4FE8-C0FA-AE89-88E89C96B65F}" dt="2025-04-07T19:02:02.675" v="48" actId="1076"/>
+          <ac:picMkLst>
+            <pc:docMk/>
+            <pc:sldMk cId="0" sldId="266"/>
+            <ac:picMk id="3" creationId="{53D1A3D5-A337-E152-A2D3-43439D59A1BE}"/>
+          </ac:picMkLst>
+        </pc:picChg>
+      </pc:sldChg>
+      <pc:sldChg chg="modSp">
+        <pc:chgData name="Mohammed Fasha" userId="S::mohammed.fasha@uop.edu.jo::cc64f42d-a1a6-4f08-b97b-0c37f877119f" providerId="AD" clId="Web-{9DEFE369-4FE8-C0FA-AE89-88E89C96B65F}" dt="2025-04-07T19:01:55.612" v="47" actId="1076"/>
+        <pc:sldMkLst>
+          <pc:docMk/>
+          <pc:sldMk cId="0" sldId="270"/>
+        </pc:sldMkLst>
+        <pc:picChg chg="mod">
+          <ac:chgData name="Mohammed Fasha" userId="S::mohammed.fasha@uop.edu.jo::cc64f42d-a1a6-4f08-b97b-0c37f877119f" providerId="AD" clId="Web-{9DEFE369-4FE8-C0FA-AE89-88E89C96B65F}" dt="2025-04-07T19:01:55.612" v="47" actId="1076"/>
+          <ac:picMkLst>
+            <pc:docMk/>
+            <pc:sldMk cId="0" sldId="270"/>
+            <ac:picMk id="3" creationId="{E9501D06-4E28-42B8-54EC-6C48C4567DB7}"/>
+          </ac:picMkLst>
+        </pc:picChg>
+      </pc:sldChg>
+      <pc:sldChg chg="modSp">
+        <pc:chgData name="Mohammed Fasha" userId="S::mohammed.fasha@uop.edu.jo::cc64f42d-a1a6-4f08-b97b-0c37f877119f" providerId="AD" clId="Web-{9DEFE369-4FE8-C0FA-AE89-88E89C96B65F}" dt="2025-04-07T19:01:49.472" v="46" actId="1076"/>
+        <pc:sldMkLst>
+          <pc:docMk/>
+          <pc:sldMk cId="0" sldId="274"/>
+        </pc:sldMkLst>
+        <pc:picChg chg="mod">
+          <ac:chgData name="Mohammed Fasha" userId="S::mohammed.fasha@uop.edu.jo::cc64f42d-a1a6-4f08-b97b-0c37f877119f" providerId="AD" clId="Web-{9DEFE369-4FE8-C0FA-AE89-88E89C96B65F}" dt="2025-04-07T19:01:49.472" v="46" actId="1076"/>
+          <ac:picMkLst>
+            <pc:docMk/>
+            <pc:sldMk cId="0" sldId="274"/>
+            <ac:picMk id="3" creationId="{2137DE1E-E18E-A534-77E6-28A80EF44BD2}"/>
+          </ac:picMkLst>
+        </pc:picChg>
+      </pc:sldChg>
+      <pc:sldChg chg="modSp">
+        <pc:chgData name="Mohammed Fasha" userId="S::mohammed.fasha@uop.edu.jo::cc64f42d-a1a6-4f08-b97b-0c37f877119f" providerId="AD" clId="Web-{9DEFE369-4FE8-C0FA-AE89-88E89C96B65F}" dt="2025-04-07T19:01:39.424" v="45" actId="1076"/>
+        <pc:sldMkLst>
+          <pc:docMk/>
+          <pc:sldMk cId="0" sldId="277"/>
+        </pc:sldMkLst>
+        <pc:picChg chg="mod">
+          <ac:chgData name="Mohammed Fasha" userId="S::mohammed.fasha@uop.edu.jo::cc64f42d-a1a6-4f08-b97b-0c37f877119f" providerId="AD" clId="Web-{9DEFE369-4FE8-C0FA-AE89-88E89C96B65F}" dt="2025-04-07T19:01:39.424" v="45" actId="1076"/>
+          <ac:picMkLst>
+            <pc:docMk/>
+            <pc:sldMk cId="0" sldId="277"/>
+            <ac:picMk id="3" creationId="{12B2D59F-BB12-6EC1-7754-F99FB98DC6B1}"/>
+          </ac:picMkLst>
+        </pc:picChg>
+      </pc:sldChg>
+      <pc:sldChg chg="modSp">
+        <pc:chgData name="Mohammed Fasha" userId="S::mohammed.fasha@uop.edu.jo::cc64f42d-a1a6-4f08-b97b-0c37f877119f" providerId="AD" clId="Web-{9DEFE369-4FE8-C0FA-AE89-88E89C96B65F}" dt="2025-04-07T19:01:20.830" v="42" actId="1076"/>
+        <pc:sldMkLst>
+          <pc:docMk/>
+          <pc:sldMk cId="0" sldId="281"/>
+        </pc:sldMkLst>
+        <pc:picChg chg="mod">
+          <ac:chgData name="Mohammed Fasha" userId="S::mohammed.fasha@uop.edu.jo::cc64f42d-a1a6-4f08-b97b-0c37f877119f" providerId="AD" clId="Web-{9DEFE369-4FE8-C0FA-AE89-88E89C96B65F}" dt="2025-04-07T19:01:20.830" v="42" actId="1076"/>
+          <ac:picMkLst>
+            <pc:docMk/>
+            <pc:sldMk cId="0" sldId="281"/>
+            <ac:picMk id="4" creationId="{C1F36920-6CAD-70BE-C466-935BEA705640}"/>
+          </ac:picMkLst>
+        </pc:picChg>
+      </pc:sldChg>
+      <pc:sldChg chg="addSp delSp modSp">
+        <pc:chgData name="Mohammed Fasha" userId="S::mohammed.fasha@uop.edu.jo::cc64f42d-a1a6-4f08-b97b-0c37f877119f" providerId="AD" clId="Web-{9DEFE369-4FE8-C0FA-AE89-88E89C96B65F}" dt="2025-04-07T19:00:40.751" v="41" actId="14100"/>
+        <pc:sldMkLst>
+          <pc:docMk/>
+          <pc:sldMk cId="566407149" sldId="307"/>
+        </pc:sldMkLst>
+        <pc:picChg chg="add del mod">
+          <ac:chgData name="Mohammed Fasha" userId="S::mohammed.fasha@uop.edu.jo::cc64f42d-a1a6-4f08-b97b-0c37f877119f" providerId="AD" clId="Web-{9DEFE369-4FE8-C0FA-AE89-88E89C96B65F}" dt="2025-04-07T18:58:07.652" v="33" actId="14100"/>
+          <ac:picMkLst>
+            <pc:docMk/>
+            <pc:sldMk cId="566407149" sldId="307"/>
+            <ac:picMk id="7" creationId="{52F9A5DE-4DA5-02A4-E05C-513BE84CC55D}"/>
+          </ac:picMkLst>
+        </pc:picChg>
+        <pc:picChg chg="mod">
+          <ac:chgData name="Mohammed Fasha" userId="S::mohammed.fasha@uop.edu.jo::cc64f42d-a1a6-4f08-b97b-0c37f877119f" providerId="AD" clId="Web-{9DEFE369-4FE8-C0FA-AE89-88E89C96B65F}" dt="2025-04-07T18:58:16.371" v="37" actId="1076"/>
+          <ac:picMkLst>
+            <pc:docMk/>
+            <pc:sldMk cId="566407149" sldId="307"/>
+            <ac:picMk id="9" creationId="{A97FD6D9-93B3-C33B-BA1A-25EAA798FBF7}"/>
+          </ac:picMkLst>
+        </pc:picChg>
+        <pc:picChg chg="mod">
+          <ac:chgData name="Mohammed Fasha" userId="S::mohammed.fasha@uop.edu.jo::cc64f42d-a1a6-4f08-b97b-0c37f877119f" providerId="AD" clId="Web-{9DEFE369-4FE8-C0FA-AE89-88E89C96B65F}" dt="2025-04-07T19:00:40.751" v="41" actId="14100"/>
+          <ac:picMkLst>
+            <pc:docMk/>
+            <pc:sldMk cId="566407149" sldId="307"/>
+            <ac:picMk id="11" creationId="{0402BC08-439D-17A5-DBFC-F0D1CA4DBB8D}"/>
+          </ac:picMkLst>
+        </pc:picChg>
+      </pc:sldChg>
+      <pc:sldChg chg="modSp">
+        <pc:chgData name="Mohammed Fasha" userId="S::mohammed.fasha@uop.edu.jo::cc64f42d-a1a6-4f08-b97b-0c37f877119f" providerId="AD" clId="Web-{9DEFE369-4FE8-C0FA-AE89-88E89C96B65F}" dt="2025-04-07T19:00:05.250" v="39" actId="1076"/>
+        <pc:sldMkLst>
+          <pc:docMk/>
+          <pc:sldMk cId="2501734364" sldId="308"/>
+        </pc:sldMkLst>
+        <pc:picChg chg="mod">
+          <ac:chgData name="Mohammed Fasha" userId="S::mohammed.fasha@uop.edu.jo::cc64f42d-a1a6-4f08-b97b-0c37f877119f" providerId="AD" clId="Web-{9DEFE369-4FE8-C0FA-AE89-88E89C96B65F}" dt="2025-04-07T19:00:02.374" v="38" actId="14100"/>
+          <ac:picMkLst>
+            <pc:docMk/>
+            <pc:sldMk cId="2501734364" sldId="308"/>
+            <ac:picMk id="9" creationId="{F079DF9D-D91F-8F19-E096-CEB55AE60F5E}"/>
+          </ac:picMkLst>
+        </pc:picChg>
+        <pc:picChg chg="mod">
+          <ac:chgData name="Mohammed Fasha" userId="S::mohammed.fasha@uop.edu.jo::cc64f42d-a1a6-4f08-b97b-0c37f877119f" providerId="AD" clId="Web-{9DEFE369-4FE8-C0FA-AE89-88E89C96B65F}" dt="2025-04-07T19:00:05.250" v="39" actId="1076"/>
+          <ac:picMkLst>
+            <pc:docMk/>
+            <pc:sldMk cId="2501734364" sldId="308"/>
+            <ac:picMk id="11" creationId="{A62FBA81-FB50-9A3F-4551-5D02D03696AD}"/>
+          </ac:picMkLst>
+        </pc:picChg>
+      </pc:sldChg>
+    </pc:docChg>
+  </pc:docChgLst>
+  <pc:docChgLst>
+    <pc:chgData name="Mohammed Fasha" userId="cc64f42d-a1a6-4f08-b97b-0c37f877119f" providerId="ADAL" clId="{1430C6B2-0695-4939-9A81-7D403BE3894B}"/>
+    <pc:docChg chg="undo redo custSel addSld delSld modSld">
+      <pc:chgData name="Mohammed Fasha" userId="cc64f42d-a1a6-4f08-b97b-0c37f877119f" providerId="ADAL" clId="{1430C6B2-0695-4939-9A81-7D403BE3894B}" dt="2025-04-06T04:27:46.978" v="903" actId="2696"/>
+      <pc:docMkLst>
+        <pc:docMk/>
+      </pc:docMkLst>
+      <pc:sldChg chg="modSp mod">
+        <pc:chgData name="Mohammed Fasha" userId="cc64f42d-a1a6-4f08-b97b-0c37f877119f" providerId="ADAL" clId="{1430C6B2-0695-4939-9A81-7D403BE3894B}" dt="2025-04-06T04:24:59.692" v="855" actId="122"/>
+        <pc:sldMkLst>
+          <pc:docMk/>
+          <pc:sldMk cId="0" sldId="264"/>
+        </pc:sldMkLst>
+        <pc:spChg chg="mod">
+          <ac:chgData name="Mohammed Fasha" userId="cc64f42d-a1a6-4f08-b97b-0c37f877119f" providerId="ADAL" clId="{1430C6B2-0695-4939-9A81-7D403BE3894B}" dt="2025-04-06T04:24:59.692" v="855" actId="122"/>
+          <ac:spMkLst>
+            <pc:docMk/>
+            <pc:sldMk cId="0" sldId="264"/>
+            <ac:spMk id="114" creationId="{00000000-0000-0000-0000-000000000000}"/>
+          </ac:spMkLst>
+        </pc:spChg>
+      </pc:sldChg>
+      <pc:sldChg chg="addSp modSp mod">
+        <pc:chgData name="Mohammed Fasha" userId="cc64f42d-a1a6-4f08-b97b-0c37f877119f" providerId="ADAL" clId="{1430C6B2-0695-4939-9A81-7D403BE3894B}" dt="2025-04-06T04:24:56.008" v="854" actId="122"/>
+        <pc:sldMkLst>
+          <pc:docMk/>
+          <pc:sldMk cId="0" sldId="265"/>
+        </pc:sldMkLst>
+        <pc:spChg chg="add mod">
+          <ac:chgData name="Mohammed Fasha" userId="cc64f42d-a1a6-4f08-b97b-0c37f877119f" providerId="ADAL" clId="{1430C6B2-0695-4939-9A81-7D403BE3894B}" dt="2025-04-06T04:24:56.008" v="854" actId="122"/>
+          <ac:spMkLst>
+            <pc:docMk/>
+            <pc:sldMk cId="0" sldId="265"/>
+            <ac:spMk id="2" creationId="{C087ADBF-4222-9D29-4601-72D8C5ECAF67}"/>
+          </ac:spMkLst>
+        </pc:spChg>
+        <pc:picChg chg="add mod">
+          <ac:chgData name="Mohammed Fasha" userId="cc64f42d-a1a6-4f08-b97b-0c37f877119f" providerId="ADAL" clId="{1430C6B2-0695-4939-9A81-7D403BE3894B}" dt="2025-04-06T04:22:18.308" v="769"/>
+          <ac:picMkLst>
+            <pc:docMk/>
+            <pc:sldMk cId="0" sldId="265"/>
+            <ac:picMk id="3" creationId="{68EA6CB0-BFE2-482A-D045-9E2274E13790}"/>
+          </ac:picMkLst>
+        </pc:picChg>
+      </pc:sldChg>
+      <pc:sldChg chg="addSp modSp mod">
+        <pc:chgData name="Mohammed Fasha" userId="cc64f42d-a1a6-4f08-b97b-0c37f877119f" providerId="ADAL" clId="{1430C6B2-0695-4939-9A81-7D403BE3894B}" dt="2025-04-06T04:24:51.521" v="853" actId="122"/>
+        <pc:sldMkLst>
+          <pc:docMk/>
+          <pc:sldMk cId="0" sldId="266"/>
+        </pc:sldMkLst>
+        <pc:spChg chg="add mod">
+          <ac:chgData name="Mohammed Fasha" userId="cc64f42d-a1a6-4f08-b97b-0c37f877119f" providerId="ADAL" clId="{1430C6B2-0695-4939-9A81-7D403BE3894B}" dt="2025-04-06T04:24:51.521" v="853" actId="122"/>
+          <ac:spMkLst>
+            <pc:docMk/>
+            <pc:sldMk cId="0" sldId="266"/>
+            <ac:spMk id="2" creationId="{728194F7-5559-14E2-09BA-A66A8287EE8C}"/>
+          </ac:spMkLst>
+        </pc:spChg>
+        <pc:picChg chg="add mod">
+          <ac:chgData name="Mohammed Fasha" userId="cc64f42d-a1a6-4f08-b97b-0c37f877119f" providerId="ADAL" clId="{1430C6B2-0695-4939-9A81-7D403BE3894B}" dt="2025-04-06T04:22:49.064" v="793"/>
+          <ac:picMkLst>
+            <pc:docMk/>
+            <pc:sldMk cId="0" sldId="266"/>
+            <ac:picMk id="3" creationId="{53D1A3D5-A337-E152-A2D3-43439D59A1BE}"/>
+          </ac:picMkLst>
+        </pc:picChg>
+      </pc:sldChg>
+      <pc:sldChg chg="addSp modSp mod">
+        <pc:chgData name="Mohammed Fasha" userId="cc64f42d-a1a6-4f08-b97b-0c37f877119f" providerId="ADAL" clId="{1430C6B2-0695-4939-9A81-7D403BE3894B}" dt="2025-04-06T04:24:44.721" v="852" actId="122"/>
+        <pc:sldMkLst>
+          <pc:docMk/>
+          <pc:sldMk cId="0" sldId="270"/>
+        </pc:sldMkLst>
+        <pc:spChg chg="add mod">
+          <ac:chgData name="Mohammed Fasha" userId="cc64f42d-a1a6-4f08-b97b-0c37f877119f" providerId="ADAL" clId="{1430C6B2-0695-4939-9A81-7D403BE3894B}" dt="2025-04-06T04:24:44.721" v="852" actId="122"/>
+          <ac:spMkLst>
+            <pc:docMk/>
+            <pc:sldMk cId="0" sldId="270"/>
+            <ac:spMk id="2" creationId="{41E2257B-B6B3-4705-2781-EF4AE061934E}"/>
+          </ac:spMkLst>
+        </pc:spChg>
+        <pc:picChg chg="add mod">
+          <ac:chgData name="Mohammed Fasha" userId="cc64f42d-a1a6-4f08-b97b-0c37f877119f" providerId="ADAL" clId="{1430C6B2-0695-4939-9A81-7D403BE3894B}" dt="2025-04-06T04:23:03.398" v="805"/>
+          <ac:picMkLst>
+            <pc:docMk/>
+            <pc:sldMk cId="0" sldId="270"/>
+            <ac:picMk id="3" creationId="{E9501D06-4E28-42B8-54EC-6C48C4567DB7}"/>
+          </ac:picMkLst>
+        </pc:picChg>
+      </pc:sldChg>
+      <pc:sldChg chg="modSp mod">
+        <pc:chgData name="Mohammed Fasha" userId="cc64f42d-a1a6-4f08-b97b-0c37f877119f" providerId="ADAL" clId="{1430C6B2-0695-4939-9A81-7D403BE3894B}" dt="2025-04-06T04:27:41.567" v="902" actId="113"/>
+        <pc:sldMkLst>
+          <pc:docMk/>
+          <pc:sldMk cId="0" sldId="272"/>
+        </pc:sldMkLst>
+        <pc:spChg chg="mod">
+          <ac:chgData name="Mohammed Fasha" userId="cc64f42d-a1a6-4f08-b97b-0c37f877119f" providerId="ADAL" clId="{1430C6B2-0695-4939-9A81-7D403BE3894B}" dt="2025-04-06T04:27:41.567" v="902" actId="113"/>
+          <ac:spMkLst>
+            <pc:docMk/>
+            <pc:sldMk cId="0" sldId="272"/>
+            <ac:spMk id="139" creationId="{00000000-0000-0000-0000-000000000000}"/>
+          </ac:spMkLst>
+        </pc:spChg>
+      </pc:sldChg>
+      <pc:sldChg chg="addSp modSp mod">
+        <pc:chgData name="Mohammed Fasha" userId="cc64f42d-a1a6-4f08-b97b-0c37f877119f" providerId="ADAL" clId="{1430C6B2-0695-4939-9A81-7D403BE3894B}" dt="2025-04-06T04:24:38.949" v="851" actId="122"/>
+        <pc:sldMkLst>
+          <pc:docMk/>
+          <pc:sldMk cId="0" sldId="274"/>
+        </pc:sldMkLst>
+        <pc:spChg chg="add mod">
+          <ac:chgData name="Mohammed Fasha" userId="cc64f42d-a1a6-4f08-b97b-0c37f877119f" providerId="ADAL" clId="{1430C6B2-0695-4939-9A81-7D403BE3894B}" dt="2025-04-06T04:24:38.949" v="851" actId="122"/>
+          <ac:spMkLst>
+            <pc:docMk/>
+            <pc:sldMk cId="0" sldId="274"/>
+            <ac:spMk id="2" creationId="{11147F20-7F9A-6F30-2416-024618CB1325}"/>
+          </ac:spMkLst>
+        </pc:spChg>
+        <pc:picChg chg="add mod">
+          <ac:chgData name="Mohammed Fasha" userId="cc64f42d-a1a6-4f08-b97b-0c37f877119f" providerId="ADAL" clId="{1430C6B2-0695-4939-9A81-7D403BE3894B}" dt="2025-04-06T04:23:15.680" v="814"/>
+          <ac:picMkLst>
+            <pc:docMk/>
+            <pc:sldMk cId="0" sldId="274"/>
+            <ac:picMk id="3" creationId="{2137DE1E-E18E-A534-77E6-28A80EF44BD2}"/>
+          </ac:picMkLst>
+        </pc:picChg>
+      </pc:sldChg>
+      <pc:sldChg chg="addSp modSp mod">
+        <pc:chgData name="Mohammed Fasha" userId="cc64f42d-a1a6-4f08-b97b-0c37f877119f" providerId="ADAL" clId="{1430C6B2-0695-4939-9A81-7D403BE3894B}" dt="2025-04-06T04:25:58.362" v="871" actId="1076"/>
+        <pc:sldMkLst>
+          <pc:docMk/>
+          <pc:sldMk cId="0" sldId="277"/>
+        </pc:sldMkLst>
+        <pc:spChg chg="add mod">
+          <ac:chgData name="Mohammed Fasha" userId="cc64f42d-a1a6-4f08-b97b-0c37f877119f" providerId="ADAL" clId="{1430C6B2-0695-4939-9A81-7D403BE3894B}" dt="2025-04-06T04:24:32.235" v="850" actId="122"/>
+          <ac:spMkLst>
+            <pc:docMk/>
+            <pc:sldMk cId="0" sldId="277"/>
+            <ac:spMk id="2" creationId="{9F86630B-6277-607F-1A5C-CDB3A4D93BB7}"/>
+          </ac:spMkLst>
+        </pc:spChg>
+        <pc:spChg chg="mod">
+          <ac:chgData name="Mohammed Fasha" userId="cc64f42d-a1a6-4f08-b97b-0c37f877119f" providerId="ADAL" clId="{1430C6B2-0695-4939-9A81-7D403BE3894B}" dt="2025-04-06T04:25:51.958" v="870" actId="948"/>
+          <ac:spMkLst>
+            <pc:docMk/>
+            <pc:sldMk cId="0" sldId="277"/>
+            <ac:spMk id="153" creationId="{00000000-0000-0000-0000-000000000000}"/>
+          </ac:spMkLst>
+        </pc:spChg>
+        <pc:graphicFrameChg chg="mod">
+          <ac:chgData name="Mohammed Fasha" userId="cc64f42d-a1a6-4f08-b97b-0c37f877119f" providerId="ADAL" clId="{1430C6B2-0695-4939-9A81-7D403BE3894B}" dt="2025-04-06T04:25:58.362" v="871" actId="1076"/>
+          <ac:graphicFrameMkLst>
+            <pc:docMk/>
+            <pc:sldMk cId="0" sldId="277"/>
+            <ac:graphicFrameMk id="154" creationId="{00000000-0000-0000-0000-000000000000}"/>
+          </ac:graphicFrameMkLst>
+        </pc:graphicFrameChg>
+        <pc:picChg chg="add mod">
+          <ac:chgData name="Mohammed Fasha" userId="cc64f42d-a1a6-4f08-b97b-0c37f877119f" providerId="ADAL" clId="{1430C6B2-0695-4939-9A81-7D403BE3894B}" dt="2025-04-06T04:23:30.931" v="818"/>
+          <ac:picMkLst>
+            <pc:docMk/>
+            <pc:sldMk cId="0" sldId="277"/>
+            <ac:picMk id="3" creationId="{12B2D59F-BB12-6EC1-7754-F99FB98DC6B1}"/>
+          </ac:picMkLst>
+        </pc:picChg>
+      </pc:sldChg>
+      <pc:sldChg chg="del">
+        <pc:chgData name="Mohammed Fasha" userId="cc64f42d-a1a6-4f08-b97b-0c37f877119f" providerId="ADAL" clId="{1430C6B2-0695-4939-9A81-7D403BE3894B}" dt="2025-04-06T04:26:43.308" v="872" actId="2696"/>
+        <pc:sldMkLst>
+          <pc:docMk/>
+          <pc:sldMk cId="0" sldId="279"/>
+        </pc:sldMkLst>
+      </pc:sldChg>
+      <pc:sldChg chg="add del">
+        <pc:chgData name="Mohammed Fasha" userId="cc64f42d-a1a6-4f08-b97b-0c37f877119f" providerId="ADAL" clId="{1430C6B2-0695-4939-9A81-7D403BE3894B}" dt="2025-04-06T04:27:46.978" v="903" actId="2696"/>
+        <pc:sldMkLst>
+          <pc:docMk/>
+          <pc:sldMk cId="2629794120" sldId="279"/>
+        </pc:sldMkLst>
+      </pc:sldChg>
+      <pc:sldChg chg="addSp delSp modSp mod modClrScheme chgLayout">
+        <pc:chgData name="Mohammed Fasha" userId="cc64f42d-a1a6-4f08-b97b-0c37f877119f" providerId="ADAL" clId="{1430C6B2-0695-4939-9A81-7D403BE3894B}" dt="2025-04-06T04:24:26.500" v="849" actId="122"/>
+        <pc:sldMkLst>
+          <pc:docMk/>
+          <pc:sldMk cId="0" sldId="281"/>
+        </pc:sldMkLst>
+        <pc:spChg chg="add mod">
+          <ac:chgData name="Mohammed Fasha" userId="cc64f42d-a1a6-4f08-b97b-0c37f877119f" providerId="ADAL" clId="{1430C6B2-0695-4939-9A81-7D403BE3894B}" dt="2025-04-06T04:24:26.500" v="849" actId="122"/>
+          <ac:spMkLst>
+            <pc:docMk/>
+            <pc:sldMk cId="0" sldId="281"/>
+            <ac:spMk id="3" creationId="{7322A9D0-3D18-E1FF-3896-23ACCCD217FC}"/>
+          </ac:spMkLst>
+        </pc:spChg>
+        <pc:spChg chg="mod ord">
+          <ac:chgData name="Mohammed Fasha" userId="cc64f42d-a1a6-4f08-b97b-0c37f877119f" providerId="ADAL" clId="{1430C6B2-0695-4939-9A81-7D403BE3894B}" dt="2025-04-06T04:24:11.165" v="828" actId="700"/>
+          <ac:spMkLst>
+            <pc:docMk/>
+            <pc:sldMk cId="0" sldId="281"/>
+            <ac:spMk id="161" creationId="{00000000-0000-0000-0000-000000000000}"/>
+          </ac:spMkLst>
+        </pc:spChg>
+        <pc:spChg chg="mod ord">
+          <ac:chgData name="Mohammed Fasha" userId="cc64f42d-a1a6-4f08-b97b-0c37f877119f" providerId="ADAL" clId="{1430C6B2-0695-4939-9A81-7D403BE3894B}" dt="2025-04-06T04:24:11.165" v="828" actId="700"/>
+          <ac:spMkLst>
+            <pc:docMk/>
+            <pc:sldMk cId="0" sldId="281"/>
+            <ac:spMk id="162" creationId="{00000000-0000-0000-0000-000000000000}"/>
+          </ac:spMkLst>
+        </pc:spChg>
+        <pc:picChg chg="add mod">
+          <ac:chgData name="Mohammed Fasha" userId="cc64f42d-a1a6-4f08-b97b-0c37f877119f" providerId="ADAL" clId="{1430C6B2-0695-4939-9A81-7D403BE3894B}" dt="2025-04-06T04:23:57.050" v="826"/>
+          <ac:picMkLst>
+            <pc:docMk/>
+            <pc:sldMk cId="0" sldId="281"/>
+            <ac:picMk id="4" creationId="{C1F36920-6CAD-70BE-C466-935BEA705640}"/>
+          </ac:picMkLst>
+        </pc:picChg>
+        <pc:picChg chg="mod">
+          <ac:chgData name="Mohammed Fasha" userId="cc64f42d-a1a6-4f08-b97b-0c37f877119f" providerId="ADAL" clId="{1430C6B2-0695-4939-9A81-7D403BE3894B}" dt="2025-04-03T03:22:32.423" v="2" actId="1076"/>
+          <ac:picMkLst>
+            <pc:docMk/>
+            <pc:sldMk cId="0" sldId="281"/>
+            <ac:picMk id="2050" creationId="{62F3EE30-1250-B624-2F54-4CC416515993}"/>
+          </ac:picMkLst>
+        </pc:picChg>
+      </pc:sldChg>
+      <pc:sldChg chg="new del">
+        <pc:chgData name="Mohammed Fasha" userId="cc64f42d-a1a6-4f08-b97b-0c37f877119f" providerId="ADAL" clId="{1430C6B2-0695-4939-9A81-7D403BE3894B}" dt="2025-04-06T02:57:40.858" v="105" actId="47"/>
+        <pc:sldMkLst>
+          <pc:docMk/>
+          <pc:sldMk cId="1751160689" sldId="296"/>
+        </pc:sldMkLst>
+      </pc:sldChg>
+      <pc:sldChg chg="add del">
+        <pc:chgData name="Mohammed Fasha" userId="cc64f42d-a1a6-4f08-b97b-0c37f877119f" providerId="ADAL" clId="{1430C6B2-0695-4939-9A81-7D403BE3894B}" dt="2025-04-06T03:05:17.178" v="107" actId="47"/>
+        <pc:sldMkLst>
+          <pc:docMk/>
+          <pc:sldMk cId="0" sldId="297"/>
+        </pc:sldMkLst>
+      </pc:sldChg>
+      <pc:sldChg chg="addSp delSp modSp add mod">
+        <pc:chgData name="Mohammed Fasha" userId="cc64f42d-a1a6-4f08-b97b-0c37f877119f" providerId="ADAL" clId="{1430C6B2-0695-4939-9A81-7D403BE3894B}" dt="2025-04-06T04:04:18.059" v="637" actId="14100"/>
+        <pc:sldMkLst>
+          <pc:docMk/>
+          <pc:sldMk cId="0" sldId="298"/>
+        </pc:sldMkLst>
+        <pc:spChg chg="mod">
+          <ac:chgData name="Mohammed Fasha" userId="cc64f42d-a1a6-4f08-b97b-0c37f877119f" providerId="ADAL" clId="{1430C6B2-0695-4939-9A81-7D403BE3894B}" dt="2025-04-06T03:05:15.222" v="106"/>
+          <ac:spMkLst>
+            <pc:docMk/>
+            <pc:sldMk cId="0" sldId="298"/>
+            <ac:spMk id="2" creationId="{00000000-0000-0000-0000-000000000000}"/>
+          </ac:spMkLst>
+        </pc:spChg>
+        <pc:spChg chg="mod">
+          <ac:chgData name="Mohammed Fasha" userId="cc64f42d-a1a6-4f08-b97b-0c37f877119f" providerId="ADAL" clId="{1430C6B2-0695-4939-9A81-7D403BE3894B}" dt="2025-04-06T03:05:54.921" v="115" actId="27636"/>
+          <ac:spMkLst>
+            <pc:docMk/>
+            <pc:sldMk cId="0" sldId="298"/>
+            <ac:spMk id="3" creationId="{00000000-0000-0000-0000-000000000000}"/>
+          </ac:spMkLst>
+        </pc:spChg>
+        <pc:spChg chg="add mod">
+          <ac:chgData name="Mohammed Fasha" userId="cc64f42d-a1a6-4f08-b97b-0c37f877119f" providerId="ADAL" clId="{1430C6B2-0695-4939-9A81-7D403BE3894B}" dt="2025-04-06T04:04:14.717" v="636" actId="1076"/>
+          <ac:spMkLst>
+            <pc:docMk/>
+            <pc:sldMk cId="0" sldId="298"/>
+            <ac:spMk id="36" creationId="{8A872414-729F-9E03-B477-BAABC9F887E1}"/>
+          </ac:spMkLst>
+        </pc:spChg>
+        <pc:spChg chg="add mod">
+          <ac:chgData name="Mohammed Fasha" userId="cc64f42d-a1a6-4f08-b97b-0c37f877119f" providerId="ADAL" clId="{1430C6B2-0695-4939-9A81-7D403BE3894B}" dt="2025-04-06T04:02:52.506" v="610"/>
+          <ac:spMkLst>
+            <pc:docMk/>
+            <pc:sldMk cId="0" sldId="298"/>
+            <ac:spMk id="37" creationId="{20BD6CB6-17EB-1B10-C421-A2DD8C4AC45D}"/>
+          </ac:spMkLst>
+        </pc:spChg>
+        <pc:picChg chg="add del mod">
+          <ac:chgData name="Mohammed Fasha" userId="cc64f42d-a1a6-4f08-b97b-0c37f877119f" providerId="ADAL" clId="{1430C6B2-0695-4939-9A81-7D403BE3894B}" dt="2025-04-06T04:00:52.666" v="568" actId="14100"/>
+          <ac:picMkLst>
+            <pc:docMk/>
+            <pc:sldMk cId="0" sldId="298"/>
+            <ac:picMk id="32" creationId="{D4E70C0B-CB58-ABE7-5B5E-0B4085ED8903}"/>
+          </ac:picMkLst>
+        </pc:picChg>
+        <pc:picChg chg="add mod">
+          <ac:chgData name="Mohammed Fasha" userId="cc64f42d-a1a6-4f08-b97b-0c37f877119f" providerId="ADAL" clId="{1430C6B2-0695-4939-9A81-7D403BE3894B}" dt="2025-04-06T04:01:52.879" v="581" actId="1076"/>
+          <ac:picMkLst>
+            <pc:docMk/>
+            <pc:sldMk cId="0" sldId="298"/>
+            <ac:picMk id="1028" creationId="{974A0B8E-89DD-B734-C25D-CBAC00E08EDD}"/>
+          </ac:picMkLst>
+        </pc:picChg>
+        <pc:cxnChg chg="add mod">
+          <ac:chgData name="Mohammed Fasha" userId="cc64f42d-a1a6-4f08-b97b-0c37f877119f" providerId="ADAL" clId="{1430C6B2-0695-4939-9A81-7D403BE3894B}" dt="2025-04-06T04:03:11.548" v="617" actId="14100"/>
+          <ac:cxnSpMkLst>
+            <pc:docMk/>
+            <pc:sldMk cId="0" sldId="298"/>
+            <ac:cxnSpMk id="34" creationId="{F314804B-B785-97DA-92C0-0F635BD5F896}"/>
+          </ac:cxnSpMkLst>
+        </pc:cxnChg>
+        <pc:cxnChg chg="add mod">
+          <ac:chgData name="Mohammed Fasha" userId="cc64f42d-a1a6-4f08-b97b-0c37f877119f" providerId="ADAL" clId="{1430C6B2-0695-4939-9A81-7D403BE3894B}" dt="2025-04-06T04:04:18.059" v="637" actId="14100"/>
+          <ac:cxnSpMkLst>
+            <pc:docMk/>
+            <pc:sldMk cId="0" sldId="298"/>
+            <ac:cxnSpMk id="39" creationId="{B977B6F6-7628-93C6-1CCA-377325D2C96B}"/>
+          </ac:cxnSpMkLst>
+        </pc:cxnChg>
+      </pc:sldChg>
+      <pc:sldChg chg="modSp add mod">
+        <pc:chgData name="Mohammed Fasha" userId="cc64f42d-a1a6-4f08-b97b-0c37f877119f" providerId="ADAL" clId="{1430C6B2-0695-4939-9A81-7D403BE3894B}" dt="2025-04-06T02:49:07.784" v="32" actId="207"/>
+        <pc:sldMkLst>
+          <pc:docMk/>
+          <pc:sldMk cId="0" sldId="299"/>
+        </pc:sldMkLst>
+        <pc:spChg chg="mod">
+          <ac:chgData name="Mohammed Fasha" userId="cc64f42d-a1a6-4f08-b97b-0c37f877119f" providerId="ADAL" clId="{1430C6B2-0695-4939-9A81-7D403BE3894B}" dt="2025-04-06T02:49:07.784" v="32" actId="207"/>
+          <ac:spMkLst>
+            <pc:docMk/>
+            <pc:sldMk cId="0" sldId="299"/>
+            <ac:spMk id="3" creationId="{00000000-0000-0000-0000-000000000000}"/>
+          </ac:spMkLst>
+        </pc:spChg>
+      </pc:sldChg>
+      <pc:sldChg chg="modSp add mod">
+        <pc:chgData name="Mohammed Fasha" userId="cc64f42d-a1a6-4f08-b97b-0c37f877119f" providerId="ADAL" clId="{1430C6B2-0695-4939-9A81-7D403BE3894B}" dt="2025-04-06T03:06:14.458" v="117" actId="5793"/>
+        <pc:sldMkLst>
+          <pc:docMk/>
+          <pc:sldMk cId="0" sldId="300"/>
+        </pc:sldMkLst>
+        <pc:spChg chg="mod">
+          <ac:chgData name="Mohammed Fasha" userId="cc64f42d-a1a6-4f08-b97b-0c37f877119f" providerId="ADAL" clId="{1430C6B2-0695-4939-9A81-7D403BE3894B}" dt="2025-04-06T03:06:14.458" v="117" actId="5793"/>
+          <ac:spMkLst>
+            <pc:docMk/>
+            <pc:sldMk cId="0" sldId="300"/>
+            <ac:spMk id="3" creationId="{00000000-0000-0000-0000-000000000000}"/>
+          </ac:spMkLst>
+        </pc:spChg>
+      </pc:sldChg>
+      <pc:sldChg chg="addSp delSp modSp add mod">
+        <pc:chgData name="Mohammed Fasha" userId="cc64f42d-a1a6-4f08-b97b-0c37f877119f" providerId="ADAL" clId="{1430C6B2-0695-4939-9A81-7D403BE3894B}" dt="2025-04-06T03:09:29.653" v="151" actId="1076"/>
+        <pc:sldMkLst>
+          <pc:docMk/>
+          <pc:sldMk cId="0" sldId="301"/>
+        </pc:sldMkLst>
+        <pc:spChg chg="mod">
+          <ac:chgData name="Mohammed Fasha" userId="cc64f42d-a1a6-4f08-b97b-0c37f877119f" providerId="ADAL" clId="{1430C6B2-0695-4939-9A81-7D403BE3894B}" dt="2025-04-06T03:07:12.307" v="120" actId="14100"/>
+          <ac:spMkLst>
+            <pc:docMk/>
+            <pc:sldMk cId="0" sldId="301"/>
+            <ac:spMk id="3" creationId="{00000000-0000-0000-0000-000000000000}"/>
+          </ac:spMkLst>
+        </pc:spChg>
+        <pc:graphicFrameChg chg="add mod modGraphic">
+          <ac:chgData name="Mohammed Fasha" userId="cc64f42d-a1a6-4f08-b97b-0c37f877119f" providerId="ADAL" clId="{1430C6B2-0695-4939-9A81-7D403BE3894B}" dt="2025-04-06T03:09:29.653" v="151" actId="1076"/>
+          <ac:graphicFrameMkLst>
+            <pc:docMk/>
+            <pc:sldMk cId="0" sldId="301"/>
+            <ac:graphicFrameMk id="8" creationId="{BF509A1C-22C8-318A-67E2-B4F741CEEA6A}"/>
+          </ac:graphicFrameMkLst>
+        </pc:graphicFrameChg>
+      </pc:sldChg>
+      <pc:sldChg chg="modSp add mod">
+        <pc:chgData name="Mohammed Fasha" userId="cc64f42d-a1a6-4f08-b97b-0c37f877119f" providerId="ADAL" clId="{1430C6B2-0695-4939-9A81-7D403BE3894B}" dt="2025-04-06T03:09:43.145" v="153" actId="5793"/>
+        <pc:sldMkLst>
+          <pc:docMk/>
+          <pc:sldMk cId="0" sldId="302"/>
+        </pc:sldMkLst>
+        <pc:spChg chg="mod">
+          <ac:chgData name="Mohammed Fasha" userId="cc64f42d-a1a6-4f08-b97b-0c37f877119f" providerId="ADAL" clId="{1430C6B2-0695-4939-9A81-7D403BE3894B}" dt="2025-04-06T03:09:43.145" v="153" actId="5793"/>
+          <ac:spMkLst>
+            <pc:docMk/>
+            <pc:sldMk cId="0" sldId="302"/>
+            <ac:spMk id="3" creationId="{00000000-0000-0000-0000-000000000000}"/>
+          </ac:spMkLst>
+        </pc:spChg>
+      </pc:sldChg>
+      <pc:sldChg chg="addSp delSp modSp add mod">
+        <pc:chgData name="Mohammed Fasha" userId="cc64f42d-a1a6-4f08-b97b-0c37f877119f" providerId="ADAL" clId="{1430C6B2-0695-4939-9A81-7D403BE3894B}" dt="2025-04-06T04:09:38.503" v="657" actId="1076"/>
+        <pc:sldMkLst>
+          <pc:docMk/>
+          <pc:sldMk cId="0" sldId="303"/>
+        </pc:sldMkLst>
+        <pc:picChg chg="add mod ord">
+          <ac:chgData name="Mohammed Fasha" userId="cc64f42d-a1a6-4f08-b97b-0c37f877119f" providerId="ADAL" clId="{1430C6B2-0695-4939-9A81-7D403BE3894B}" dt="2025-04-06T04:09:38.503" v="657" actId="1076"/>
+          <ac:picMkLst>
+            <pc:docMk/>
+            <pc:sldMk cId="0" sldId="303"/>
+            <ac:picMk id="17" creationId="{7E184D5F-AB91-4FC3-B4FD-043A5C589982}"/>
+          </ac:picMkLst>
+        </pc:picChg>
+      </pc:sldChg>
+      <pc:sldChg chg="addSp delSp modSp add mod">
+        <pc:chgData name="Mohammed Fasha" userId="cc64f42d-a1a6-4f08-b97b-0c37f877119f" providerId="ADAL" clId="{1430C6B2-0695-4939-9A81-7D403BE3894B}" dt="2025-04-06T03:16:28.440" v="183" actId="1076"/>
+        <pc:sldMkLst>
+          <pc:docMk/>
+          <pc:sldMk cId="0" sldId="304"/>
+        </pc:sldMkLst>
+        <pc:picChg chg="add mod ord">
+          <ac:chgData name="Mohammed Fasha" userId="cc64f42d-a1a6-4f08-b97b-0c37f877119f" providerId="ADAL" clId="{1430C6B2-0695-4939-9A81-7D403BE3894B}" dt="2025-04-06T03:16:28.440" v="183" actId="1076"/>
+          <ac:picMkLst>
+            <pc:docMk/>
+            <pc:sldMk cId="0" sldId="304"/>
+            <ac:picMk id="7" creationId="{CA11F557-4092-5303-C3E7-245686D24A6B}"/>
+          </ac:picMkLst>
+        </pc:picChg>
+      </pc:sldChg>
+      <pc:sldChg chg="addSp delSp modSp add mod">
+        <pc:chgData name="Mohammed Fasha" userId="cc64f42d-a1a6-4f08-b97b-0c37f877119f" providerId="ADAL" clId="{1430C6B2-0695-4939-9A81-7D403BE3894B}" dt="2025-04-06T03:16:35.636" v="185" actId="1076"/>
+        <pc:sldMkLst>
+          <pc:docMk/>
+          <pc:sldMk cId="0" sldId="305"/>
+        </pc:sldMkLst>
+        <pc:picChg chg="add mod ord">
+          <ac:chgData name="Mohammed Fasha" userId="cc64f42d-a1a6-4f08-b97b-0c37f877119f" providerId="ADAL" clId="{1430C6B2-0695-4939-9A81-7D403BE3894B}" dt="2025-04-06T03:16:35.636" v="185" actId="1076"/>
+          <ac:picMkLst>
+            <pc:docMk/>
+            <pc:sldMk cId="0" sldId="305"/>
+            <ac:picMk id="7" creationId="{C161519D-5871-0665-567B-918E90876D30}"/>
+          </ac:picMkLst>
+        </pc:picChg>
+      </pc:sldChg>
+      <pc:sldChg chg="addSp delSp modSp add mod">
+        <pc:chgData name="Mohammed Fasha" userId="cc64f42d-a1a6-4f08-b97b-0c37f877119f" providerId="ADAL" clId="{1430C6B2-0695-4939-9A81-7D403BE3894B}" dt="2025-04-06T03:17:06.488" v="191" actId="1076"/>
+        <pc:sldMkLst>
+          <pc:docMk/>
+          <pc:sldMk cId="0" sldId="306"/>
+        </pc:sldMkLst>
+        <pc:picChg chg="add mod ord">
+          <ac:chgData name="Mohammed Fasha" userId="cc64f42d-a1a6-4f08-b97b-0c37f877119f" providerId="ADAL" clId="{1430C6B2-0695-4939-9A81-7D403BE3894B}" dt="2025-04-06T03:17:06.488" v="191" actId="1076"/>
+          <ac:picMkLst>
+            <pc:docMk/>
+            <pc:sldMk cId="0" sldId="306"/>
+            <ac:picMk id="9" creationId="{F6DB4D3B-209A-3F7B-B0C5-EDC2EC27C070}"/>
+          </ac:picMkLst>
+        </pc:picChg>
+      </pc:sldChg>
+      <pc:sldChg chg="modSp add del mod">
+        <pc:chgData name="Mohammed Fasha" userId="cc64f42d-a1a6-4f08-b97b-0c37f877119f" providerId="ADAL" clId="{1430C6B2-0695-4939-9A81-7D403BE3894B}" dt="2025-04-06T03:17:10.927" v="192" actId="2696"/>
+        <pc:sldMkLst>
+          <pc:docMk/>
+          <pc:sldMk cId="0" sldId="307"/>
+        </pc:sldMkLst>
+      </pc:sldChg>
+      <pc:sldChg chg="addSp delSp modSp add mod">
+        <pc:chgData name="Mohammed Fasha" userId="cc64f42d-a1a6-4f08-b97b-0c37f877119f" providerId="ADAL" clId="{1430C6B2-0695-4939-9A81-7D403BE3894B}" dt="2025-04-06T04:08:17.019" v="656" actId="1076"/>
+        <pc:sldMkLst>
+          <pc:docMk/>
+          <pc:sldMk cId="566407149" sldId="307"/>
+        </pc:sldMkLst>
+        <pc:picChg chg="add mod ord">
+          <ac:chgData name="Mohammed Fasha" userId="cc64f42d-a1a6-4f08-b97b-0c37f877119f" providerId="ADAL" clId="{1430C6B2-0695-4939-9A81-7D403BE3894B}" dt="2025-04-06T04:01:25.568" v="574" actId="1076"/>
+          <ac:picMkLst>
+            <pc:docMk/>
+            <pc:sldMk cId="566407149" sldId="307"/>
+            <ac:picMk id="7" creationId="{52F9A5DE-4DA5-02A4-E05C-513BE84CC55D}"/>
+          </ac:picMkLst>
+        </pc:picChg>
+        <pc:picChg chg="add mod">
+          <ac:chgData name="Mohammed Fasha" userId="cc64f42d-a1a6-4f08-b97b-0c37f877119f" providerId="ADAL" clId="{1430C6B2-0695-4939-9A81-7D403BE3894B}" dt="2025-04-06T04:08:17.019" v="656" actId="1076"/>
+          <ac:picMkLst>
+            <pc:docMk/>
+            <pc:sldMk cId="566407149" sldId="307"/>
+            <ac:picMk id="9" creationId="{A97FD6D9-93B3-C33B-BA1A-25EAA798FBF7}"/>
+          </ac:picMkLst>
+        </pc:picChg>
+        <pc:picChg chg="add mod">
+          <ac:chgData name="Mohammed Fasha" userId="cc64f42d-a1a6-4f08-b97b-0c37f877119f" providerId="ADAL" clId="{1430C6B2-0695-4939-9A81-7D403BE3894B}" dt="2025-04-06T04:08:08.555" v="652" actId="1076"/>
+          <ac:picMkLst>
+            <pc:docMk/>
+            <pc:sldMk cId="566407149" sldId="307"/>
+            <ac:picMk id="11" creationId="{0402BC08-439D-17A5-DBFC-F0D1CA4DBB8D}"/>
+          </ac:picMkLst>
+        </pc:picChg>
+      </pc:sldChg>
+      <pc:sldChg chg="modSp add del mod">
+        <pc:chgData name="Mohammed Fasha" userId="cc64f42d-a1a6-4f08-b97b-0c37f877119f" providerId="ADAL" clId="{1430C6B2-0695-4939-9A81-7D403BE3894B}" dt="2025-04-06T03:17:13.337" v="193" actId="2696"/>
+        <pc:sldMkLst>
+          <pc:docMk/>
+          <pc:sldMk cId="0" sldId="308"/>
+        </pc:sldMkLst>
+      </pc:sldChg>
+      <pc:sldChg chg="addSp delSp modSp new mod">
+        <pc:chgData name="Mohammed Fasha" userId="cc64f42d-a1a6-4f08-b97b-0c37f877119f" providerId="ADAL" clId="{1430C6B2-0695-4939-9A81-7D403BE3894B}" dt="2025-04-06T04:17:45.506" v="716" actId="14100"/>
+        <pc:sldMkLst>
+          <pc:docMk/>
+          <pc:sldMk cId="2501734364" sldId="308"/>
+        </pc:sldMkLst>
+        <pc:spChg chg="mod">
+          <ac:chgData name="Mohammed Fasha" userId="cc64f42d-a1a6-4f08-b97b-0c37f877119f" providerId="ADAL" clId="{1430C6B2-0695-4939-9A81-7D403BE3894B}" dt="2025-04-06T04:17:33.796" v="712" actId="20577"/>
+          <ac:spMkLst>
+            <pc:docMk/>
+            <pc:sldMk cId="2501734364" sldId="308"/>
+            <ac:spMk id="2" creationId="{41BDA84C-AD74-5814-D82A-5F88FC8C9069}"/>
+          </ac:spMkLst>
+        </pc:spChg>
+        <pc:picChg chg="add mod ord">
+          <ac:chgData name="Mohammed Fasha" userId="cc64f42d-a1a6-4f08-b97b-0c37f877119f" providerId="ADAL" clId="{1430C6B2-0695-4939-9A81-7D403BE3894B}" dt="2025-04-06T04:17:45.506" v="716" actId="14100"/>
+          <ac:picMkLst>
+            <pc:docMk/>
+            <pc:sldMk cId="2501734364" sldId="308"/>
+            <ac:picMk id="9" creationId="{F079DF9D-D91F-8F19-E096-CEB55AE60F5E}"/>
+          </ac:picMkLst>
+        </pc:picChg>
+        <pc:picChg chg="add mod">
+          <ac:chgData name="Mohammed Fasha" userId="cc64f42d-a1a6-4f08-b97b-0c37f877119f" providerId="ADAL" clId="{1430C6B2-0695-4939-9A81-7D403BE3894B}" dt="2025-04-06T04:17:43.677" v="715" actId="1076"/>
+          <ac:picMkLst>
+            <pc:docMk/>
+            <pc:sldMk cId="2501734364" sldId="308"/>
+            <ac:picMk id="11" creationId="{A62FBA81-FB50-9A3F-4551-5D02D03696AD}"/>
+          </ac:picMkLst>
+        </pc:picChg>
+      </pc:sldChg>
+    </pc:docChg>
+  </pc:docChgLst>
   <pc:docChgLst>
     <pc:chgData name="Mohammed Fasha" userId="cc64f42d-a1a6-4f08-b97b-0c37f877119f" providerId="ADAL" clId="{BECD4A7F-C1AF-4585-8C31-FE7D4FE3ED16}"/>
     <pc:docChg chg="undo redo custSel addSld delSld modSld sldOrd">
@@ -445,116 +1411,104 @@
     </pc:docChg>
   </pc:docChgLst>
   <pc:docChgLst>
-    <pc:chgData name="Mohammed Fasha" userId="cc64f42d-a1a6-4f08-b97b-0c37f877119f" providerId="ADAL" clId="{18637E31-0E18-4A5A-AC68-AF9D3439D974}"/>
-    <pc:docChg chg="undo custSel delSld modSld sldOrd">
-      <pc:chgData name="Mohammed Fasha" userId="cc64f42d-a1a6-4f08-b97b-0c37f877119f" providerId="ADAL" clId="{18637E31-0E18-4A5A-AC68-AF9D3439D974}" dt="2025-03-25T08:02:14.603" v="201" actId="113"/>
+    <pc:chgData name="Mohammed Fasha" userId="cc64f42d-a1a6-4f08-b97b-0c37f877119f" providerId="ADAL" clId="{6804A8E6-8D7F-46E3-B091-66A8F6B926BF}"/>
+    <pc:docChg chg="custSel modMainMaster">
+      <pc:chgData name="Mohammed Fasha" userId="cc64f42d-a1a6-4f08-b97b-0c37f877119f" providerId="ADAL" clId="{6804A8E6-8D7F-46E3-B091-66A8F6B926BF}" dt="2024-11-09T05:15:35.019" v="2" actId="1076"/>
       <pc:docMkLst>
         <pc:docMk/>
       </pc:docMkLst>
-      <pc:sldChg chg="del">
-        <pc:chgData name="Mohammed Fasha" userId="cc64f42d-a1a6-4f08-b97b-0c37f877119f" providerId="ADAL" clId="{18637E31-0E18-4A5A-AC68-AF9D3439D974}" dt="2025-03-25T07:35:56.861" v="5" actId="2696"/>
+      <pc:sldMasterChg chg="delSp mod modSldLayout">
+        <pc:chgData name="Mohammed Fasha" userId="cc64f42d-a1a6-4f08-b97b-0c37f877119f" providerId="ADAL" clId="{6804A8E6-8D7F-46E3-B091-66A8F6B926BF}" dt="2024-11-09T05:15:35.019" v="2" actId="1076"/>
+        <pc:sldMasterMkLst>
+          <pc:docMk/>
+          <pc:sldMasterMk cId="742811419" sldId="2147483648"/>
+        </pc:sldMasterMkLst>
+        <pc:sldLayoutChg chg="addSp modSp mod">
+          <pc:chgData name="Mohammed Fasha" userId="cc64f42d-a1a6-4f08-b97b-0c37f877119f" providerId="ADAL" clId="{6804A8E6-8D7F-46E3-B091-66A8F6B926BF}" dt="2024-11-09T05:15:35.019" v="2" actId="1076"/>
+          <pc:sldLayoutMkLst>
+            <pc:docMk/>
+            <pc:sldMasterMk cId="742811419" sldId="2147483648"/>
+            <pc:sldLayoutMk cId="4063788262" sldId="2147483649"/>
+          </pc:sldLayoutMkLst>
+        </pc:sldLayoutChg>
+      </pc:sldMasterChg>
+    </pc:docChg>
+  </pc:docChgLst>
+  <pc:docChgLst>
+    <pc:chgData name="Mohammed Fasha" userId="cc64f42d-a1a6-4f08-b97b-0c37f877119f" providerId="ADAL" clId="{C76591E3-3621-40DC-ACB3-E3AE46F9CD6C}"/>
+    <pc:docChg chg="custSel modSld">
+      <pc:chgData name="Mohammed Fasha" userId="cc64f42d-a1a6-4f08-b97b-0c37f877119f" providerId="ADAL" clId="{C76591E3-3621-40DC-ACB3-E3AE46F9CD6C}" dt="2025-05-18T04:02:45.310" v="12" actId="1076"/>
+      <pc:docMkLst>
+        <pc:docMk/>
+      </pc:docMkLst>
+      <pc:sldChg chg="modSp">
+        <pc:chgData name="Mohammed Fasha" userId="cc64f42d-a1a6-4f08-b97b-0c37f877119f" providerId="ADAL" clId="{C76591E3-3621-40DC-ACB3-E3AE46F9CD6C}" dt="2025-05-18T04:01:52.662" v="0"/>
         <pc:sldMkLst>
           <pc:docMk/>
-          <pc:sldMk cId="0" sldId="273"/>
+          <pc:sldMk cId="0" sldId="277"/>
         </pc:sldMkLst>
-      </pc:sldChg>
-      <pc:sldChg chg="ord">
-        <pc:chgData name="Mohammed Fasha" userId="cc64f42d-a1a6-4f08-b97b-0c37f877119f" providerId="ADAL" clId="{18637E31-0E18-4A5A-AC68-AF9D3439D974}" dt="2025-03-25T07:35:51.921" v="4"/>
-        <pc:sldMkLst>
-          <pc:docMk/>
-          <pc:sldMk cId="0" sldId="274"/>
-        </pc:sldMkLst>
-      </pc:sldChg>
-      <pc:sldChg chg="addSp delSp modSp mod">
-        <pc:chgData name="Mohammed Fasha" userId="cc64f42d-a1a6-4f08-b97b-0c37f877119f" providerId="ADAL" clId="{18637E31-0E18-4A5A-AC68-AF9D3439D974}" dt="2025-03-25T07:52:52.611" v="43" actId="1076"/>
-        <pc:sldMkLst>
-          <pc:docMk/>
-          <pc:sldMk cId="0" sldId="275"/>
-        </pc:sldMkLst>
-        <pc:spChg chg="mod">
-          <ac:chgData name="Mohammed Fasha" userId="cc64f42d-a1a6-4f08-b97b-0c37f877119f" providerId="ADAL" clId="{18637E31-0E18-4A5A-AC68-AF9D3439D974}" dt="2025-03-25T07:36:05.331" v="15" actId="20577"/>
-          <ac:spMkLst>
-            <pc:docMk/>
-            <pc:sldMk cId="0" sldId="275"/>
-            <ac:spMk id="145" creationId="{00000000-0000-0000-0000-000000000000}"/>
-          </ac:spMkLst>
-        </pc:spChg>
-        <pc:spChg chg="mod">
-          <ac:chgData name="Mohammed Fasha" userId="cc64f42d-a1a6-4f08-b97b-0c37f877119f" providerId="ADAL" clId="{18637E31-0E18-4A5A-AC68-AF9D3439D974}" dt="2025-03-25T07:52:49.123" v="42" actId="14100"/>
-          <ac:spMkLst>
-            <pc:docMk/>
-            <pc:sldMk cId="0" sldId="275"/>
-            <ac:spMk id="146" creationId="{00000000-0000-0000-0000-000000000000}"/>
-          </ac:spMkLst>
-        </pc:spChg>
-        <pc:picChg chg="add mod">
-          <ac:chgData name="Mohammed Fasha" userId="cc64f42d-a1a6-4f08-b97b-0c37f877119f" providerId="ADAL" clId="{18637E31-0E18-4A5A-AC68-AF9D3439D974}" dt="2025-03-25T07:52:52.611" v="43" actId="1076"/>
+        <pc:picChg chg="mod">
+          <ac:chgData name="Mohammed Fasha" userId="cc64f42d-a1a6-4f08-b97b-0c37f877119f" providerId="ADAL" clId="{C76591E3-3621-40DC-ACB3-E3AE46F9CD6C}" dt="2025-05-18T04:01:52.662" v="0"/>
           <ac:picMkLst>
             <pc:docMk/>
-            <pc:sldMk cId="0" sldId="275"/>
-            <ac:picMk id="3" creationId="{15EEB7E5-33DF-486D-A03F-C24FCFB0A2BF}"/>
+            <pc:sldMk cId="0" sldId="277"/>
+            <ac:picMk id="3" creationId="{12B2D59F-BB12-6EC1-7754-F99FB98DC6B1}"/>
           </ac:picMkLst>
         </pc:picChg>
       </pc:sldChg>
-      <pc:sldChg chg="modSp mod">
-        <pc:chgData name="Mohammed Fasha" userId="cc64f42d-a1a6-4f08-b97b-0c37f877119f" providerId="ADAL" clId="{18637E31-0E18-4A5A-AC68-AF9D3439D974}" dt="2025-03-25T08:02:14.603" v="201" actId="113"/>
+      <pc:sldChg chg="addSp delSp modSp mod">
+        <pc:chgData name="Mohammed Fasha" userId="cc64f42d-a1a6-4f08-b97b-0c37f877119f" providerId="ADAL" clId="{C76591E3-3621-40DC-ACB3-E3AE46F9CD6C}" dt="2025-05-18T04:02:07.042" v="2"/>
         <pc:sldMkLst>
           <pc:docMk/>
-          <pc:sldMk cId="0" sldId="276"/>
+          <pc:sldMk cId="0" sldId="281"/>
         </pc:sldMkLst>
-        <pc:spChg chg="mod">
-          <ac:chgData name="Mohammed Fasha" userId="cc64f42d-a1a6-4f08-b97b-0c37f877119f" providerId="ADAL" clId="{18637E31-0E18-4A5A-AC68-AF9D3439D974}" dt="2025-03-25T07:55:25.446" v="46" actId="14100"/>
-          <ac:spMkLst>
+        <pc:picChg chg="add mod">
+          <ac:chgData name="Mohammed Fasha" userId="cc64f42d-a1a6-4f08-b97b-0c37f877119f" providerId="ADAL" clId="{C76591E3-3621-40DC-ACB3-E3AE46F9CD6C}" dt="2025-05-18T04:02:07.042" v="2"/>
+          <ac:picMkLst>
             <pc:docMk/>
-            <pc:sldMk cId="0" sldId="276"/>
-            <ac:spMk id="151" creationId="{00000000-0000-0000-0000-000000000000}"/>
-          </ac:spMkLst>
-        </pc:spChg>
+            <pc:sldMk cId="0" sldId="281"/>
+            <ac:picMk id="2" creationId="{A2625387-7336-9286-6E97-931A095E1298}"/>
+          </ac:picMkLst>
+        </pc:picChg>
+        <pc:picChg chg="del">
+          <ac:chgData name="Mohammed Fasha" userId="cc64f42d-a1a6-4f08-b97b-0c37f877119f" providerId="ADAL" clId="{C76591E3-3621-40DC-ACB3-E3AE46F9CD6C}" dt="2025-05-18T04:02:05.976" v="1" actId="478"/>
+          <ac:picMkLst>
+            <pc:docMk/>
+            <pc:sldMk cId="0" sldId="281"/>
+            <ac:picMk id="4" creationId="{C1F36920-6CAD-70BE-C466-935BEA705640}"/>
+          </ac:picMkLst>
+        </pc:picChg>
       </pc:sldChg>
-      <pc:sldChg chg="modSp mod">
-        <pc:chgData name="Mohammed Fasha" userId="cc64f42d-a1a6-4f08-b97b-0c37f877119f" providerId="ADAL" clId="{18637E31-0E18-4A5A-AC68-AF9D3439D974}" dt="2025-03-25T07:35:39.640" v="0" actId="21"/>
+      <pc:sldChg chg="addSp delSp modSp mod">
+        <pc:chgData name="Mohammed Fasha" userId="cc64f42d-a1a6-4f08-b97b-0c37f877119f" providerId="ADAL" clId="{C76591E3-3621-40DC-ACB3-E3AE46F9CD6C}" dt="2025-05-18T04:02:45.310" v="12" actId="1076"/>
         <pc:sldMkLst>
           <pc:docMk/>
-          <pc:sldMk cId="3862054301" sldId="293"/>
+          <pc:sldMk cId="1219703126" sldId="295"/>
         </pc:sldMkLst>
-        <pc:spChg chg="mod">
-          <ac:chgData name="Mohammed Fasha" userId="cc64f42d-a1a6-4f08-b97b-0c37f877119f" providerId="ADAL" clId="{18637E31-0E18-4A5A-AC68-AF9D3439D974}" dt="2025-03-25T07:35:39.640" v="0" actId="21"/>
-          <ac:spMkLst>
+        <pc:picChg chg="add del mod">
+          <ac:chgData name="Mohammed Fasha" userId="cc64f42d-a1a6-4f08-b97b-0c37f877119f" providerId="ADAL" clId="{C76591E3-3621-40DC-ACB3-E3AE46F9CD6C}" dt="2025-05-18T04:02:41.454" v="10" actId="478"/>
+          <ac:picMkLst>
             <pc:docMk/>
-            <pc:sldMk cId="3862054301" sldId="293"/>
-            <ac:spMk id="3" creationId="{8AEDF9A6-3E2A-ECD5-AC94-898AAFEDC346}"/>
-          </ac:spMkLst>
-        </pc:spChg>
-      </pc:sldChg>
-    </pc:docChg>
-  </pc:docChgLst>
-  <pc:docChgLst>
-    <pc:chgData name="Mohammed Fasha" userId="cc64f42d-a1a6-4f08-b97b-0c37f877119f" providerId="ADAL" clId="{4C71ED24-115E-432D-933D-C801DA3E52F1}"/>
-    <pc:docChg chg="delSld">
-      <pc:chgData name="Mohammed Fasha" userId="cc64f42d-a1a6-4f08-b97b-0c37f877119f" providerId="ADAL" clId="{4C71ED24-115E-432D-933D-C801DA3E52F1}" dt="2024-12-29T03:12:49.974" v="2" actId="47"/>
-      <pc:docMkLst>
-        <pc:docMk/>
-      </pc:docMkLst>
-      <pc:sldChg chg="del">
-        <pc:chgData name="Mohammed Fasha" userId="cc64f42d-a1a6-4f08-b97b-0c37f877119f" providerId="ADAL" clId="{4C71ED24-115E-432D-933D-C801DA3E52F1}" dt="2024-12-29T03:12:48.360" v="0" actId="47"/>
-        <pc:sldMkLst>
-          <pc:docMk/>
-          <pc:sldMk cId="2341000601" sldId="701"/>
-        </pc:sldMkLst>
-      </pc:sldChg>
-      <pc:sldChg chg="del">
-        <pc:chgData name="Mohammed Fasha" userId="cc64f42d-a1a6-4f08-b97b-0c37f877119f" providerId="ADAL" clId="{4C71ED24-115E-432D-933D-C801DA3E52F1}" dt="2024-12-29T03:12:49.133" v="1" actId="47"/>
-        <pc:sldMkLst>
-          <pc:docMk/>
-          <pc:sldMk cId="3519698944" sldId="702"/>
-        </pc:sldMkLst>
-      </pc:sldChg>
-      <pc:sldChg chg="del">
-        <pc:chgData name="Mohammed Fasha" userId="cc64f42d-a1a6-4f08-b97b-0c37f877119f" providerId="ADAL" clId="{4C71ED24-115E-432D-933D-C801DA3E52F1}" dt="2024-12-29T03:12:49.974" v="2" actId="47"/>
-        <pc:sldMkLst>
-          <pc:docMk/>
-          <pc:sldMk cId="3934257344" sldId="703"/>
-        </pc:sldMkLst>
+            <pc:sldMk cId="1219703126" sldId="295"/>
+            <ac:picMk id="2" creationId="{75FB796E-596A-5371-1353-F1729AE8856E}"/>
+          </ac:picMkLst>
+        </pc:picChg>
+        <pc:picChg chg="del">
+          <ac:chgData name="Mohammed Fasha" userId="cc64f42d-a1a6-4f08-b97b-0c37f877119f" providerId="ADAL" clId="{C76591E3-3621-40DC-ACB3-E3AE46F9CD6C}" dt="2025-05-18T04:02:20.885" v="3" actId="478"/>
+          <ac:picMkLst>
+            <pc:docMk/>
+            <pc:sldMk cId="1219703126" sldId="295"/>
+            <ac:picMk id="3" creationId="{7E335CC5-CC5A-4EDC-EFCF-AD1985688A1C}"/>
+          </ac:picMkLst>
+        </pc:picChg>
+        <pc:picChg chg="add mod">
+          <ac:chgData name="Mohammed Fasha" userId="cc64f42d-a1a6-4f08-b97b-0c37f877119f" providerId="ADAL" clId="{C76591E3-3621-40DC-ACB3-E3AE46F9CD6C}" dt="2025-05-18T04:02:45.310" v="12" actId="1076"/>
+          <ac:picMkLst>
+            <pc:docMk/>
+            <pc:sldMk cId="1219703126" sldId="295"/>
+            <ac:picMk id="4" creationId="{1D6BB95D-A0AB-2FF7-1582-FD1642BFB604}"/>
+          </ac:picMkLst>
+        </pc:picChg>
       </pc:sldChg>
     </pc:docChg>
   </pc:docChgLst>
@@ -2141,1338 +3095,6 @@
           <pc:docMk/>
           <pc:sldMk cId="3043812923" sldId="718"/>
         </pc:sldMkLst>
-      </pc:sldChg>
-    </pc:docChg>
-  </pc:docChgLst>
-  <pc:docChgLst>
-    <pc:chgData name="Mohammed Fasha" userId="cc64f42d-a1a6-4f08-b97b-0c37f877119f" providerId="ADAL" clId="{5980B3BB-4EB6-4E37-92BF-3A2A8F4B2C7A}"/>
-    <pc:docChg chg="custSel modSld">
-      <pc:chgData name="Mohammed Fasha" userId="cc64f42d-a1a6-4f08-b97b-0c37f877119f" providerId="ADAL" clId="{5980B3BB-4EB6-4E37-92BF-3A2A8F4B2C7A}" dt="2024-10-15T02:28:13.535" v="0" actId="478"/>
-      <pc:docMkLst>
-        <pc:docMk/>
-      </pc:docMkLst>
-      <pc:sldChg chg="delSp mod">
-        <pc:chgData name="Mohammed Fasha" userId="cc64f42d-a1a6-4f08-b97b-0c37f877119f" providerId="ADAL" clId="{5980B3BB-4EB6-4E37-92BF-3A2A8F4B2C7A}" dt="2024-10-15T02:28:13.535" v="0" actId="478"/>
-        <pc:sldMkLst>
-          <pc:docMk/>
-          <pc:sldMk cId="2297456757" sldId="483"/>
-        </pc:sldMkLst>
-      </pc:sldChg>
-    </pc:docChg>
-  </pc:docChgLst>
-  <pc:docChgLst>
-    <pc:chgData name="Mohammed Fasha" userId="cc64f42d-a1a6-4f08-b97b-0c37f877119f" providerId="ADAL" clId="{2E5FBF59-3168-4932-9518-582502FE1AD5}"/>
-    <pc:docChg chg="undo custSel delSld modSld">
-      <pc:chgData name="Mohammed Fasha" userId="cc64f42d-a1a6-4f08-b97b-0c37f877119f" providerId="ADAL" clId="{2E5FBF59-3168-4932-9518-582502FE1AD5}" dt="2024-12-24T08:08:19.987" v="550" actId="20577"/>
-      <pc:docMkLst>
-        <pc:docMk/>
-      </pc:docMkLst>
-      <pc:sldChg chg="delSp">
-        <pc:chgData name="Mohammed Fasha" userId="cc64f42d-a1a6-4f08-b97b-0c37f877119f" providerId="ADAL" clId="{2E5FBF59-3168-4932-9518-582502FE1AD5}" dt="2024-11-19T07:40:47.121" v="208" actId="478"/>
-        <pc:sldMkLst>
-          <pc:docMk/>
-          <pc:sldMk cId="391491219" sldId="428"/>
-        </pc:sldMkLst>
-      </pc:sldChg>
-      <pc:sldChg chg="modSp">
-        <pc:chgData name="Mohammed Fasha" userId="cc64f42d-a1a6-4f08-b97b-0c37f877119f" providerId="ADAL" clId="{2E5FBF59-3168-4932-9518-582502FE1AD5}" dt="2024-12-03T07:43:58.007" v="456" actId="1076"/>
-        <pc:sldMkLst>
-          <pc:docMk/>
-          <pc:sldMk cId="3339445507" sldId="430"/>
-        </pc:sldMkLst>
-      </pc:sldChg>
-      <pc:sldChg chg="modSp">
-        <pc:chgData name="Mohammed Fasha" userId="cc64f42d-a1a6-4f08-b97b-0c37f877119f" providerId="ADAL" clId="{2E5FBF59-3168-4932-9518-582502FE1AD5}" dt="2024-12-03T07:45:08.136" v="474" actId="20577"/>
-        <pc:sldMkLst>
-          <pc:docMk/>
-          <pc:sldMk cId="3389046835" sldId="431"/>
-        </pc:sldMkLst>
-      </pc:sldChg>
-      <pc:sldChg chg="modSp">
-        <pc:chgData name="Mohammed Fasha" userId="cc64f42d-a1a6-4f08-b97b-0c37f877119f" providerId="ADAL" clId="{2E5FBF59-3168-4932-9518-582502FE1AD5}" dt="2024-11-10T06:33:09.727" v="37" actId="207"/>
-        <pc:sldMkLst>
-          <pc:docMk/>
-          <pc:sldMk cId="2726994946" sldId="479"/>
-        </pc:sldMkLst>
-      </pc:sldChg>
-      <pc:sldChg chg="modSp">
-        <pc:chgData name="Mohammed Fasha" userId="cc64f42d-a1a6-4f08-b97b-0c37f877119f" providerId="ADAL" clId="{2E5FBF59-3168-4932-9518-582502FE1AD5}" dt="2024-11-19T07:44:28.766" v="211" actId="20577"/>
-        <pc:sldMkLst>
-          <pc:docMk/>
-          <pc:sldMk cId="2297456757" sldId="483"/>
-        </pc:sldMkLst>
-      </pc:sldChg>
-      <pc:sldChg chg="modSp">
-        <pc:chgData name="Mohammed Fasha" userId="cc64f42d-a1a6-4f08-b97b-0c37f877119f" providerId="ADAL" clId="{2E5FBF59-3168-4932-9518-582502FE1AD5}" dt="2024-11-10T06:45:09.392" v="40" actId="20577"/>
-        <pc:sldMkLst>
-          <pc:docMk/>
-          <pc:sldMk cId="3474268344" sldId="596"/>
-        </pc:sldMkLst>
-      </pc:sldChg>
-      <pc:sldChg chg="modSp">
-        <pc:chgData name="Mohammed Fasha" userId="cc64f42d-a1a6-4f08-b97b-0c37f877119f" providerId="ADAL" clId="{2E5FBF59-3168-4932-9518-582502FE1AD5}" dt="2024-12-03T07:47:21.561" v="476" actId="6549"/>
-        <pc:sldMkLst>
-          <pc:docMk/>
-          <pc:sldMk cId="399592497" sldId="613"/>
-        </pc:sldMkLst>
-      </pc:sldChg>
-      <pc:sldChg chg="modSp">
-        <pc:chgData name="Mohammed Fasha" userId="cc64f42d-a1a6-4f08-b97b-0c37f877119f" providerId="ADAL" clId="{2E5FBF59-3168-4932-9518-582502FE1AD5}" dt="2024-12-03T07:49:02.980" v="478" actId="207"/>
-        <pc:sldMkLst>
-          <pc:docMk/>
-          <pc:sldMk cId="3329135496" sldId="617"/>
-        </pc:sldMkLst>
-      </pc:sldChg>
-      <pc:sldChg chg="modSp">
-        <pc:chgData name="Mohammed Fasha" userId="cc64f42d-a1a6-4f08-b97b-0c37f877119f" providerId="ADAL" clId="{2E5FBF59-3168-4932-9518-582502FE1AD5}" dt="2024-12-24T08:05:16.608" v="482" actId="403"/>
-        <pc:sldMkLst>
-          <pc:docMk/>
-          <pc:sldMk cId="2990045589" sldId="659"/>
-        </pc:sldMkLst>
-      </pc:sldChg>
-      <pc:sldChg chg="modSp">
-        <pc:chgData name="Mohammed Fasha" userId="cc64f42d-a1a6-4f08-b97b-0c37f877119f" providerId="ADAL" clId="{2E5FBF59-3168-4932-9518-582502FE1AD5}" dt="2024-12-24T08:08:19.987" v="550" actId="20577"/>
-        <pc:sldMkLst>
-          <pc:docMk/>
-          <pc:sldMk cId="2680231355" sldId="669"/>
-        </pc:sldMkLst>
-      </pc:sldChg>
-      <pc:sldChg chg="addSp modSp">
-        <pc:chgData name="Mohammed Fasha" userId="cc64f42d-a1a6-4f08-b97b-0c37f877119f" providerId="ADAL" clId="{2E5FBF59-3168-4932-9518-582502FE1AD5}" dt="2024-12-24T08:05:52.910" v="488" actId="1076"/>
-        <pc:sldMkLst>
-          <pc:docMk/>
-          <pc:sldMk cId="916102856" sldId="685"/>
-        </pc:sldMkLst>
-      </pc:sldChg>
-      <pc:sldChg chg="modSp">
-        <pc:chgData name="Mohammed Fasha" userId="cc64f42d-a1a6-4f08-b97b-0c37f877119f" providerId="ADAL" clId="{2E5FBF59-3168-4932-9518-582502FE1AD5}" dt="2024-11-19T07:03:29.557" v="206" actId="207"/>
-        <pc:sldMkLst>
-          <pc:docMk/>
-          <pc:sldMk cId="32004852" sldId="708"/>
-        </pc:sldMkLst>
-      </pc:sldChg>
-    </pc:docChg>
-  </pc:docChgLst>
-  <pc:docChgLst>
-    <pc:chgData name="Mohammed Fasha" userId="cc64f42d-a1a6-4f08-b97b-0c37f877119f" providerId="ADAL" clId="{6804A8E6-8D7F-46E3-B091-66A8F6B926BF}"/>
-    <pc:docChg chg="custSel modMainMaster">
-      <pc:chgData name="Mohammed Fasha" userId="cc64f42d-a1a6-4f08-b97b-0c37f877119f" providerId="ADAL" clId="{6804A8E6-8D7F-46E3-B091-66A8F6B926BF}" dt="2024-11-09T05:15:35.019" v="2" actId="1076"/>
-      <pc:docMkLst>
-        <pc:docMk/>
-      </pc:docMkLst>
-      <pc:sldMasterChg chg="delSp mod modSldLayout">
-        <pc:chgData name="Mohammed Fasha" userId="cc64f42d-a1a6-4f08-b97b-0c37f877119f" providerId="ADAL" clId="{6804A8E6-8D7F-46E3-B091-66A8F6B926BF}" dt="2024-11-09T05:15:35.019" v="2" actId="1076"/>
-        <pc:sldMasterMkLst>
-          <pc:docMk/>
-          <pc:sldMasterMk cId="742811419" sldId="2147483648"/>
-        </pc:sldMasterMkLst>
-        <pc:sldLayoutChg chg="addSp modSp mod">
-          <pc:chgData name="Mohammed Fasha" userId="cc64f42d-a1a6-4f08-b97b-0c37f877119f" providerId="ADAL" clId="{6804A8E6-8D7F-46E3-B091-66A8F6B926BF}" dt="2024-11-09T05:15:35.019" v="2" actId="1076"/>
-          <pc:sldLayoutMkLst>
-            <pc:docMk/>
-            <pc:sldMasterMk cId="742811419" sldId="2147483648"/>
-            <pc:sldLayoutMk cId="4063788262" sldId="2147483649"/>
-          </pc:sldLayoutMkLst>
-        </pc:sldLayoutChg>
-      </pc:sldMasterChg>
-    </pc:docChg>
-  </pc:docChgLst>
-  <pc:docChgLst>
-    <pc:chgData name="Mohammed Fasha" userId="cc64f42d-a1a6-4f08-b97b-0c37f877119f" providerId="ADAL" clId="{1430C6B2-0695-4939-9A81-7D403BE3894B}"/>
-    <pc:docChg chg="undo redo custSel addSld delSld modSld">
-      <pc:chgData name="Mohammed Fasha" userId="cc64f42d-a1a6-4f08-b97b-0c37f877119f" providerId="ADAL" clId="{1430C6B2-0695-4939-9A81-7D403BE3894B}" dt="2025-04-06T04:27:46.978" v="903" actId="2696"/>
-      <pc:docMkLst>
-        <pc:docMk/>
-      </pc:docMkLst>
-      <pc:sldChg chg="modSp mod">
-        <pc:chgData name="Mohammed Fasha" userId="cc64f42d-a1a6-4f08-b97b-0c37f877119f" providerId="ADAL" clId="{1430C6B2-0695-4939-9A81-7D403BE3894B}" dt="2025-04-06T04:24:59.692" v="855" actId="122"/>
-        <pc:sldMkLst>
-          <pc:docMk/>
-          <pc:sldMk cId="0" sldId="264"/>
-        </pc:sldMkLst>
-        <pc:spChg chg="mod">
-          <ac:chgData name="Mohammed Fasha" userId="cc64f42d-a1a6-4f08-b97b-0c37f877119f" providerId="ADAL" clId="{1430C6B2-0695-4939-9A81-7D403BE3894B}" dt="2025-04-06T04:24:59.692" v="855" actId="122"/>
-          <ac:spMkLst>
-            <pc:docMk/>
-            <pc:sldMk cId="0" sldId="264"/>
-            <ac:spMk id="114" creationId="{00000000-0000-0000-0000-000000000000}"/>
-          </ac:spMkLst>
-        </pc:spChg>
-      </pc:sldChg>
-      <pc:sldChg chg="addSp modSp mod">
-        <pc:chgData name="Mohammed Fasha" userId="cc64f42d-a1a6-4f08-b97b-0c37f877119f" providerId="ADAL" clId="{1430C6B2-0695-4939-9A81-7D403BE3894B}" dt="2025-04-06T04:24:56.008" v="854" actId="122"/>
-        <pc:sldMkLst>
-          <pc:docMk/>
-          <pc:sldMk cId="0" sldId="265"/>
-        </pc:sldMkLst>
-        <pc:spChg chg="add mod">
-          <ac:chgData name="Mohammed Fasha" userId="cc64f42d-a1a6-4f08-b97b-0c37f877119f" providerId="ADAL" clId="{1430C6B2-0695-4939-9A81-7D403BE3894B}" dt="2025-04-06T04:24:56.008" v="854" actId="122"/>
-          <ac:spMkLst>
-            <pc:docMk/>
-            <pc:sldMk cId="0" sldId="265"/>
-            <ac:spMk id="2" creationId="{C087ADBF-4222-9D29-4601-72D8C5ECAF67}"/>
-          </ac:spMkLst>
-        </pc:spChg>
-        <pc:picChg chg="add mod">
-          <ac:chgData name="Mohammed Fasha" userId="cc64f42d-a1a6-4f08-b97b-0c37f877119f" providerId="ADAL" clId="{1430C6B2-0695-4939-9A81-7D403BE3894B}" dt="2025-04-06T04:22:18.308" v="769"/>
-          <ac:picMkLst>
-            <pc:docMk/>
-            <pc:sldMk cId="0" sldId="265"/>
-            <ac:picMk id="3" creationId="{68EA6CB0-BFE2-482A-D045-9E2274E13790}"/>
-          </ac:picMkLst>
-        </pc:picChg>
-      </pc:sldChg>
-      <pc:sldChg chg="addSp modSp mod">
-        <pc:chgData name="Mohammed Fasha" userId="cc64f42d-a1a6-4f08-b97b-0c37f877119f" providerId="ADAL" clId="{1430C6B2-0695-4939-9A81-7D403BE3894B}" dt="2025-04-06T04:24:51.521" v="853" actId="122"/>
-        <pc:sldMkLst>
-          <pc:docMk/>
-          <pc:sldMk cId="0" sldId="266"/>
-        </pc:sldMkLst>
-        <pc:spChg chg="add mod">
-          <ac:chgData name="Mohammed Fasha" userId="cc64f42d-a1a6-4f08-b97b-0c37f877119f" providerId="ADAL" clId="{1430C6B2-0695-4939-9A81-7D403BE3894B}" dt="2025-04-06T04:24:51.521" v="853" actId="122"/>
-          <ac:spMkLst>
-            <pc:docMk/>
-            <pc:sldMk cId="0" sldId="266"/>
-            <ac:spMk id="2" creationId="{728194F7-5559-14E2-09BA-A66A8287EE8C}"/>
-          </ac:spMkLst>
-        </pc:spChg>
-        <pc:picChg chg="add mod">
-          <ac:chgData name="Mohammed Fasha" userId="cc64f42d-a1a6-4f08-b97b-0c37f877119f" providerId="ADAL" clId="{1430C6B2-0695-4939-9A81-7D403BE3894B}" dt="2025-04-06T04:22:49.064" v="793"/>
-          <ac:picMkLst>
-            <pc:docMk/>
-            <pc:sldMk cId="0" sldId="266"/>
-            <ac:picMk id="3" creationId="{53D1A3D5-A337-E152-A2D3-43439D59A1BE}"/>
-          </ac:picMkLst>
-        </pc:picChg>
-      </pc:sldChg>
-      <pc:sldChg chg="addSp modSp mod">
-        <pc:chgData name="Mohammed Fasha" userId="cc64f42d-a1a6-4f08-b97b-0c37f877119f" providerId="ADAL" clId="{1430C6B2-0695-4939-9A81-7D403BE3894B}" dt="2025-04-06T04:24:44.721" v="852" actId="122"/>
-        <pc:sldMkLst>
-          <pc:docMk/>
-          <pc:sldMk cId="0" sldId="270"/>
-        </pc:sldMkLst>
-        <pc:spChg chg="add mod">
-          <ac:chgData name="Mohammed Fasha" userId="cc64f42d-a1a6-4f08-b97b-0c37f877119f" providerId="ADAL" clId="{1430C6B2-0695-4939-9A81-7D403BE3894B}" dt="2025-04-06T04:24:44.721" v="852" actId="122"/>
-          <ac:spMkLst>
-            <pc:docMk/>
-            <pc:sldMk cId="0" sldId="270"/>
-            <ac:spMk id="2" creationId="{41E2257B-B6B3-4705-2781-EF4AE061934E}"/>
-          </ac:spMkLst>
-        </pc:spChg>
-        <pc:picChg chg="add mod">
-          <ac:chgData name="Mohammed Fasha" userId="cc64f42d-a1a6-4f08-b97b-0c37f877119f" providerId="ADAL" clId="{1430C6B2-0695-4939-9A81-7D403BE3894B}" dt="2025-04-06T04:23:03.398" v="805"/>
-          <ac:picMkLst>
-            <pc:docMk/>
-            <pc:sldMk cId="0" sldId="270"/>
-            <ac:picMk id="3" creationId="{E9501D06-4E28-42B8-54EC-6C48C4567DB7}"/>
-          </ac:picMkLst>
-        </pc:picChg>
-      </pc:sldChg>
-      <pc:sldChg chg="modSp mod">
-        <pc:chgData name="Mohammed Fasha" userId="cc64f42d-a1a6-4f08-b97b-0c37f877119f" providerId="ADAL" clId="{1430C6B2-0695-4939-9A81-7D403BE3894B}" dt="2025-04-06T04:27:41.567" v="902" actId="113"/>
-        <pc:sldMkLst>
-          <pc:docMk/>
-          <pc:sldMk cId="0" sldId="272"/>
-        </pc:sldMkLst>
-        <pc:spChg chg="mod">
-          <ac:chgData name="Mohammed Fasha" userId="cc64f42d-a1a6-4f08-b97b-0c37f877119f" providerId="ADAL" clId="{1430C6B2-0695-4939-9A81-7D403BE3894B}" dt="2025-04-06T04:27:41.567" v="902" actId="113"/>
-          <ac:spMkLst>
-            <pc:docMk/>
-            <pc:sldMk cId="0" sldId="272"/>
-            <ac:spMk id="139" creationId="{00000000-0000-0000-0000-000000000000}"/>
-          </ac:spMkLst>
-        </pc:spChg>
-      </pc:sldChg>
-      <pc:sldChg chg="addSp modSp mod">
-        <pc:chgData name="Mohammed Fasha" userId="cc64f42d-a1a6-4f08-b97b-0c37f877119f" providerId="ADAL" clId="{1430C6B2-0695-4939-9A81-7D403BE3894B}" dt="2025-04-06T04:24:38.949" v="851" actId="122"/>
-        <pc:sldMkLst>
-          <pc:docMk/>
-          <pc:sldMk cId="0" sldId="274"/>
-        </pc:sldMkLst>
-        <pc:spChg chg="add mod">
-          <ac:chgData name="Mohammed Fasha" userId="cc64f42d-a1a6-4f08-b97b-0c37f877119f" providerId="ADAL" clId="{1430C6B2-0695-4939-9A81-7D403BE3894B}" dt="2025-04-06T04:24:38.949" v="851" actId="122"/>
-          <ac:spMkLst>
-            <pc:docMk/>
-            <pc:sldMk cId="0" sldId="274"/>
-            <ac:spMk id="2" creationId="{11147F20-7F9A-6F30-2416-024618CB1325}"/>
-          </ac:spMkLst>
-        </pc:spChg>
-        <pc:picChg chg="add mod">
-          <ac:chgData name="Mohammed Fasha" userId="cc64f42d-a1a6-4f08-b97b-0c37f877119f" providerId="ADAL" clId="{1430C6B2-0695-4939-9A81-7D403BE3894B}" dt="2025-04-06T04:23:15.680" v="814"/>
-          <ac:picMkLst>
-            <pc:docMk/>
-            <pc:sldMk cId="0" sldId="274"/>
-            <ac:picMk id="3" creationId="{2137DE1E-E18E-A534-77E6-28A80EF44BD2}"/>
-          </ac:picMkLst>
-        </pc:picChg>
-      </pc:sldChg>
-      <pc:sldChg chg="addSp modSp mod">
-        <pc:chgData name="Mohammed Fasha" userId="cc64f42d-a1a6-4f08-b97b-0c37f877119f" providerId="ADAL" clId="{1430C6B2-0695-4939-9A81-7D403BE3894B}" dt="2025-04-06T04:25:58.362" v="871" actId="1076"/>
-        <pc:sldMkLst>
-          <pc:docMk/>
-          <pc:sldMk cId="0" sldId="277"/>
-        </pc:sldMkLst>
-        <pc:spChg chg="add mod">
-          <ac:chgData name="Mohammed Fasha" userId="cc64f42d-a1a6-4f08-b97b-0c37f877119f" providerId="ADAL" clId="{1430C6B2-0695-4939-9A81-7D403BE3894B}" dt="2025-04-06T04:24:32.235" v="850" actId="122"/>
-          <ac:spMkLst>
-            <pc:docMk/>
-            <pc:sldMk cId="0" sldId="277"/>
-            <ac:spMk id="2" creationId="{9F86630B-6277-607F-1A5C-CDB3A4D93BB7}"/>
-          </ac:spMkLst>
-        </pc:spChg>
-        <pc:spChg chg="mod">
-          <ac:chgData name="Mohammed Fasha" userId="cc64f42d-a1a6-4f08-b97b-0c37f877119f" providerId="ADAL" clId="{1430C6B2-0695-4939-9A81-7D403BE3894B}" dt="2025-04-06T04:25:51.958" v="870" actId="948"/>
-          <ac:spMkLst>
-            <pc:docMk/>
-            <pc:sldMk cId="0" sldId="277"/>
-            <ac:spMk id="153" creationId="{00000000-0000-0000-0000-000000000000}"/>
-          </ac:spMkLst>
-        </pc:spChg>
-        <pc:graphicFrameChg chg="mod">
-          <ac:chgData name="Mohammed Fasha" userId="cc64f42d-a1a6-4f08-b97b-0c37f877119f" providerId="ADAL" clId="{1430C6B2-0695-4939-9A81-7D403BE3894B}" dt="2025-04-06T04:25:58.362" v="871" actId="1076"/>
-          <ac:graphicFrameMkLst>
-            <pc:docMk/>
-            <pc:sldMk cId="0" sldId="277"/>
-            <ac:graphicFrameMk id="154" creationId="{00000000-0000-0000-0000-000000000000}"/>
-          </ac:graphicFrameMkLst>
-        </pc:graphicFrameChg>
-        <pc:picChg chg="add mod">
-          <ac:chgData name="Mohammed Fasha" userId="cc64f42d-a1a6-4f08-b97b-0c37f877119f" providerId="ADAL" clId="{1430C6B2-0695-4939-9A81-7D403BE3894B}" dt="2025-04-06T04:23:30.931" v="818"/>
-          <ac:picMkLst>
-            <pc:docMk/>
-            <pc:sldMk cId="0" sldId="277"/>
-            <ac:picMk id="3" creationId="{12B2D59F-BB12-6EC1-7754-F99FB98DC6B1}"/>
-          </ac:picMkLst>
-        </pc:picChg>
-      </pc:sldChg>
-      <pc:sldChg chg="del">
-        <pc:chgData name="Mohammed Fasha" userId="cc64f42d-a1a6-4f08-b97b-0c37f877119f" providerId="ADAL" clId="{1430C6B2-0695-4939-9A81-7D403BE3894B}" dt="2025-04-06T04:26:43.308" v="872" actId="2696"/>
-        <pc:sldMkLst>
-          <pc:docMk/>
-          <pc:sldMk cId="0" sldId="279"/>
-        </pc:sldMkLst>
-      </pc:sldChg>
-      <pc:sldChg chg="add del">
-        <pc:chgData name="Mohammed Fasha" userId="cc64f42d-a1a6-4f08-b97b-0c37f877119f" providerId="ADAL" clId="{1430C6B2-0695-4939-9A81-7D403BE3894B}" dt="2025-04-06T04:27:46.978" v="903" actId="2696"/>
-        <pc:sldMkLst>
-          <pc:docMk/>
-          <pc:sldMk cId="2629794120" sldId="279"/>
-        </pc:sldMkLst>
-      </pc:sldChg>
-      <pc:sldChg chg="addSp delSp modSp mod modClrScheme chgLayout">
-        <pc:chgData name="Mohammed Fasha" userId="cc64f42d-a1a6-4f08-b97b-0c37f877119f" providerId="ADAL" clId="{1430C6B2-0695-4939-9A81-7D403BE3894B}" dt="2025-04-06T04:24:26.500" v="849" actId="122"/>
-        <pc:sldMkLst>
-          <pc:docMk/>
-          <pc:sldMk cId="0" sldId="281"/>
-        </pc:sldMkLst>
-        <pc:spChg chg="add del mod">
-          <ac:chgData name="Mohammed Fasha" userId="cc64f42d-a1a6-4f08-b97b-0c37f877119f" providerId="ADAL" clId="{1430C6B2-0695-4939-9A81-7D403BE3894B}" dt="2025-04-06T04:24:00.222" v="827" actId="478"/>
-          <ac:spMkLst>
-            <pc:docMk/>
-            <pc:sldMk cId="0" sldId="281"/>
-            <ac:spMk id="2" creationId="{F3E208A7-9D3D-C8FD-62BA-246574698579}"/>
-          </ac:spMkLst>
-        </pc:spChg>
-        <pc:spChg chg="add mod">
-          <ac:chgData name="Mohammed Fasha" userId="cc64f42d-a1a6-4f08-b97b-0c37f877119f" providerId="ADAL" clId="{1430C6B2-0695-4939-9A81-7D403BE3894B}" dt="2025-04-06T04:24:26.500" v="849" actId="122"/>
-          <ac:spMkLst>
-            <pc:docMk/>
-            <pc:sldMk cId="0" sldId="281"/>
-            <ac:spMk id="3" creationId="{7322A9D0-3D18-E1FF-3896-23ACCCD217FC}"/>
-          </ac:spMkLst>
-        </pc:spChg>
-        <pc:spChg chg="add del mod">
-          <ac:chgData name="Mohammed Fasha" userId="cc64f42d-a1a6-4f08-b97b-0c37f877119f" providerId="ADAL" clId="{1430C6B2-0695-4939-9A81-7D403BE3894B}" dt="2025-04-06T04:24:11.165" v="828" actId="700"/>
-          <ac:spMkLst>
-            <pc:docMk/>
-            <pc:sldMk cId="0" sldId="281"/>
-            <ac:spMk id="6" creationId="{50244078-DE8E-7D59-0D8C-B01FDB5F6DE3}"/>
-          </ac:spMkLst>
-        </pc:spChg>
-        <pc:spChg chg="mod ord">
-          <ac:chgData name="Mohammed Fasha" userId="cc64f42d-a1a6-4f08-b97b-0c37f877119f" providerId="ADAL" clId="{1430C6B2-0695-4939-9A81-7D403BE3894B}" dt="2025-04-06T04:24:11.165" v="828" actId="700"/>
-          <ac:spMkLst>
-            <pc:docMk/>
-            <pc:sldMk cId="0" sldId="281"/>
-            <ac:spMk id="161" creationId="{00000000-0000-0000-0000-000000000000}"/>
-          </ac:spMkLst>
-        </pc:spChg>
-        <pc:spChg chg="mod ord">
-          <ac:chgData name="Mohammed Fasha" userId="cc64f42d-a1a6-4f08-b97b-0c37f877119f" providerId="ADAL" clId="{1430C6B2-0695-4939-9A81-7D403BE3894B}" dt="2025-04-06T04:24:11.165" v="828" actId="700"/>
-          <ac:spMkLst>
-            <pc:docMk/>
-            <pc:sldMk cId="0" sldId="281"/>
-            <ac:spMk id="162" creationId="{00000000-0000-0000-0000-000000000000}"/>
-          </ac:spMkLst>
-        </pc:spChg>
-        <pc:picChg chg="add mod">
-          <ac:chgData name="Mohammed Fasha" userId="cc64f42d-a1a6-4f08-b97b-0c37f877119f" providerId="ADAL" clId="{1430C6B2-0695-4939-9A81-7D403BE3894B}" dt="2025-04-06T04:23:57.050" v="826"/>
-          <ac:picMkLst>
-            <pc:docMk/>
-            <pc:sldMk cId="0" sldId="281"/>
-            <ac:picMk id="4" creationId="{C1F36920-6CAD-70BE-C466-935BEA705640}"/>
-          </ac:picMkLst>
-        </pc:picChg>
-        <pc:picChg chg="del">
-          <ac:chgData name="Mohammed Fasha" userId="cc64f42d-a1a6-4f08-b97b-0c37f877119f" providerId="ADAL" clId="{1430C6B2-0695-4939-9A81-7D403BE3894B}" dt="2025-04-06T04:24:00.222" v="827" actId="478"/>
-          <ac:picMkLst>
-            <pc:docMk/>
-            <pc:sldMk cId="0" sldId="281"/>
-            <ac:picMk id="164" creationId="{00000000-0000-0000-0000-000000000000}"/>
-          </ac:picMkLst>
-        </pc:picChg>
-        <pc:picChg chg="mod">
-          <ac:chgData name="Mohammed Fasha" userId="cc64f42d-a1a6-4f08-b97b-0c37f877119f" providerId="ADAL" clId="{1430C6B2-0695-4939-9A81-7D403BE3894B}" dt="2025-04-03T03:22:32.423" v="2" actId="1076"/>
-          <ac:picMkLst>
-            <pc:docMk/>
-            <pc:sldMk cId="0" sldId="281"/>
-            <ac:picMk id="2050" creationId="{62F3EE30-1250-B624-2F54-4CC416515993}"/>
-          </ac:picMkLst>
-        </pc:picChg>
-      </pc:sldChg>
-      <pc:sldChg chg="new del">
-        <pc:chgData name="Mohammed Fasha" userId="cc64f42d-a1a6-4f08-b97b-0c37f877119f" providerId="ADAL" clId="{1430C6B2-0695-4939-9A81-7D403BE3894B}" dt="2025-04-06T02:57:40.858" v="105" actId="47"/>
-        <pc:sldMkLst>
-          <pc:docMk/>
-          <pc:sldMk cId="1751160689" sldId="296"/>
-        </pc:sldMkLst>
-      </pc:sldChg>
-      <pc:sldChg chg="add del">
-        <pc:chgData name="Mohammed Fasha" userId="cc64f42d-a1a6-4f08-b97b-0c37f877119f" providerId="ADAL" clId="{1430C6B2-0695-4939-9A81-7D403BE3894B}" dt="2025-04-06T03:05:17.178" v="107" actId="47"/>
-        <pc:sldMkLst>
-          <pc:docMk/>
-          <pc:sldMk cId="0" sldId="297"/>
-        </pc:sldMkLst>
-      </pc:sldChg>
-      <pc:sldChg chg="addSp delSp modSp add mod">
-        <pc:chgData name="Mohammed Fasha" userId="cc64f42d-a1a6-4f08-b97b-0c37f877119f" providerId="ADAL" clId="{1430C6B2-0695-4939-9A81-7D403BE3894B}" dt="2025-04-06T04:04:18.059" v="637" actId="14100"/>
-        <pc:sldMkLst>
-          <pc:docMk/>
-          <pc:sldMk cId="0" sldId="298"/>
-        </pc:sldMkLst>
-        <pc:spChg chg="mod">
-          <ac:chgData name="Mohammed Fasha" userId="cc64f42d-a1a6-4f08-b97b-0c37f877119f" providerId="ADAL" clId="{1430C6B2-0695-4939-9A81-7D403BE3894B}" dt="2025-04-06T03:05:15.222" v="106"/>
-          <ac:spMkLst>
-            <pc:docMk/>
-            <pc:sldMk cId="0" sldId="298"/>
-            <ac:spMk id="2" creationId="{00000000-0000-0000-0000-000000000000}"/>
-          </ac:spMkLst>
-        </pc:spChg>
-        <pc:spChg chg="mod">
-          <ac:chgData name="Mohammed Fasha" userId="cc64f42d-a1a6-4f08-b97b-0c37f877119f" providerId="ADAL" clId="{1430C6B2-0695-4939-9A81-7D403BE3894B}" dt="2025-04-06T03:05:54.921" v="115" actId="27636"/>
-          <ac:spMkLst>
-            <pc:docMk/>
-            <pc:sldMk cId="0" sldId="298"/>
-            <ac:spMk id="3" creationId="{00000000-0000-0000-0000-000000000000}"/>
-          </ac:spMkLst>
-        </pc:spChg>
-        <pc:spChg chg="add del mod">
-          <ac:chgData name="Mohammed Fasha" userId="cc64f42d-a1a6-4f08-b97b-0c37f877119f" providerId="ADAL" clId="{1430C6B2-0695-4939-9A81-7D403BE3894B}" dt="2025-04-06T03:43:25.151" v="344" actId="478"/>
-          <ac:spMkLst>
-            <pc:docMk/>
-            <pc:sldMk cId="0" sldId="298"/>
-            <ac:spMk id="9" creationId="{BF1C49D3-AB51-52FE-CD42-1D7CBB62DC29}"/>
-          </ac:spMkLst>
-        </pc:spChg>
-        <pc:spChg chg="add del mod">
-          <ac:chgData name="Mohammed Fasha" userId="cc64f42d-a1a6-4f08-b97b-0c37f877119f" providerId="ADAL" clId="{1430C6B2-0695-4939-9A81-7D403BE3894B}" dt="2025-04-06T03:43:21.260" v="341" actId="478"/>
-          <ac:spMkLst>
-            <pc:docMk/>
-            <pc:sldMk cId="0" sldId="298"/>
-            <ac:spMk id="10" creationId="{9188DB93-0884-0E87-6CCC-CF8AA25D502A}"/>
-          </ac:spMkLst>
-        </pc:spChg>
-        <pc:spChg chg="add del mod">
-          <ac:chgData name="Mohammed Fasha" userId="cc64f42d-a1a6-4f08-b97b-0c37f877119f" providerId="ADAL" clId="{1430C6B2-0695-4939-9A81-7D403BE3894B}" dt="2025-04-06T04:00:52.327" v="558" actId="478"/>
-          <ac:spMkLst>
-            <pc:docMk/>
-            <pc:sldMk cId="0" sldId="298"/>
-            <ac:spMk id="17" creationId="{E8E32B4B-4A1F-2C28-FA92-794823C343B9}"/>
-          </ac:spMkLst>
-        </pc:spChg>
-        <pc:spChg chg="add del mod">
-          <ac:chgData name="Mohammed Fasha" userId="cc64f42d-a1a6-4f08-b97b-0c37f877119f" providerId="ADAL" clId="{1430C6B2-0695-4939-9A81-7D403BE3894B}" dt="2025-04-06T03:43:23.486" v="343" actId="478"/>
-          <ac:spMkLst>
-            <pc:docMk/>
-            <pc:sldMk cId="0" sldId="298"/>
-            <ac:spMk id="19" creationId="{EF78452A-FEB2-847E-CEA3-A2E181033D0D}"/>
-          </ac:spMkLst>
-        </pc:spChg>
-        <pc:spChg chg="add del mod">
-          <ac:chgData name="Mohammed Fasha" userId="cc64f42d-a1a6-4f08-b97b-0c37f877119f" providerId="ADAL" clId="{1430C6B2-0695-4939-9A81-7D403BE3894B}" dt="2025-04-06T03:43:26.288" v="345" actId="478"/>
-          <ac:spMkLst>
-            <pc:docMk/>
-            <pc:sldMk cId="0" sldId="298"/>
-            <ac:spMk id="21" creationId="{21C0AE5A-7AE7-7BB3-629B-A8DA6C1BF438}"/>
-          </ac:spMkLst>
-        </pc:spChg>
-        <pc:spChg chg="add mod">
-          <ac:chgData name="Mohammed Fasha" userId="cc64f42d-a1a6-4f08-b97b-0c37f877119f" providerId="ADAL" clId="{1430C6B2-0695-4939-9A81-7D403BE3894B}" dt="2025-04-06T04:04:14.717" v="636" actId="1076"/>
-          <ac:spMkLst>
-            <pc:docMk/>
-            <pc:sldMk cId="0" sldId="298"/>
-            <ac:spMk id="36" creationId="{8A872414-729F-9E03-B477-BAABC9F887E1}"/>
-          </ac:spMkLst>
-        </pc:spChg>
-        <pc:spChg chg="add mod">
-          <ac:chgData name="Mohammed Fasha" userId="cc64f42d-a1a6-4f08-b97b-0c37f877119f" providerId="ADAL" clId="{1430C6B2-0695-4939-9A81-7D403BE3894B}" dt="2025-04-06T04:02:52.506" v="610"/>
-          <ac:spMkLst>
-            <pc:docMk/>
-            <pc:sldMk cId="0" sldId="298"/>
-            <ac:spMk id="37" creationId="{20BD6CB6-17EB-1B10-C421-A2DD8C4AC45D}"/>
-          </ac:spMkLst>
-        </pc:spChg>
-        <pc:graphicFrameChg chg="add del mod modGraphic">
-          <ac:chgData name="Mohammed Fasha" userId="cc64f42d-a1a6-4f08-b97b-0c37f877119f" providerId="ADAL" clId="{1430C6B2-0695-4939-9A81-7D403BE3894B}" dt="2025-04-06T04:01:31.073" v="575" actId="478"/>
-          <ac:graphicFrameMkLst>
-            <pc:docMk/>
-            <pc:sldMk cId="0" sldId="298"/>
-            <ac:graphicFrameMk id="22" creationId="{ECBDF53B-F6F0-3E15-F7EA-B36D7AC14043}"/>
-          </ac:graphicFrameMkLst>
-        </pc:graphicFrameChg>
-        <pc:picChg chg="add del mod">
-          <ac:chgData name="Mohammed Fasha" userId="cc64f42d-a1a6-4f08-b97b-0c37f877119f" providerId="ADAL" clId="{1430C6B2-0695-4939-9A81-7D403BE3894B}" dt="2025-04-06T03:43:22.142" v="342" actId="478"/>
-          <ac:picMkLst>
-            <pc:docMk/>
-            <pc:sldMk cId="0" sldId="298"/>
-            <ac:picMk id="15" creationId="{8BC5E033-71BE-62C1-7B2A-FC92726EF751}"/>
-          </ac:picMkLst>
-        </pc:picChg>
-        <pc:picChg chg="add del mod">
-          <ac:chgData name="Mohammed Fasha" userId="cc64f42d-a1a6-4f08-b97b-0c37f877119f" providerId="ADAL" clId="{1430C6B2-0695-4939-9A81-7D403BE3894B}" dt="2025-04-06T03:54:10.319" v="480" actId="478"/>
-          <ac:picMkLst>
-            <pc:docMk/>
-            <pc:sldMk cId="0" sldId="298"/>
-            <ac:picMk id="24" creationId="{AE2F3EE9-92C5-4097-10F9-C9D7C35143DB}"/>
-          </ac:picMkLst>
-        </pc:picChg>
-        <pc:picChg chg="add del mod">
-          <ac:chgData name="Mohammed Fasha" userId="cc64f42d-a1a6-4f08-b97b-0c37f877119f" providerId="ADAL" clId="{1430C6B2-0695-4939-9A81-7D403BE3894B}" dt="2025-04-06T03:54:10.741" v="481" actId="478"/>
-          <ac:picMkLst>
-            <pc:docMk/>
-            <pc:sldMk cId="0" sldId="298"/>
-            <ac:picMk id="26" creationId="{62C2CF5A-FA8B-23CE-7FD6-BAB8AAEFF1E7}"/>
-          </ac:picMkLst>
-        </pc:picChg>
-        <pc:picChg chg="add del mod">
-          <ac:chgData name="Mohammed Fasha" userId="cc64f42d-a1a6-4f08-b97b-0c37f877119f" providerId="ADAL" clId="{1430C6B2-0695-4939-9A81-7D403BE3894B}" dt="2025-04-06T04:01:31.975" v="576" actId="478"/>
-          <ac:picMkLst>
-            <pc:docMk/>
-            <pc:sldMk cId="0" sldId="298"/>
-            <ac:picMk id="28" creationId="{42FED3E9-9B26-3AD8-D893-8698E513D1B0}"/>
-          </ac:picMkLst>
-        </pc:picChg>
-        <pc:picChg chg="add del mod">
-          <ac:chgData name="Mohammed Fasha" userId="cc64f42d-a1a6-4f08-b97b-0c37f877119f" providerId="ADAL" clId="{1430C6B2-0695-4939-9A81-7D403BE3894B}" dt="2025-04-06T04:00:52.600" v="566" actId="21"/>
-          <ac:picMkLst>
-            <pc:docMk/>
-            <pc:sldMk cId="0" sldId="298"/>
-            <ac:picMk id="30" creationId="{BBCDC69E-5848-BC97-BC87-C60F8416C402}"/>
-          </ac:picMkLst>
-        </pc:picChg>
-        <pc:picChg chg="add del mod">
-          <ac:chgData name="Mohammed Fasha" userId="cc64f42d-a1a6-4f08-b97b-0c37f877119f" providerId="ADAL" clId="{1430C6B2-0695-4939-9A81-7D403BE3894B}" dt="2025-04-06T04:00:52.666" v="568" actId="14100"/>
-          <ac:picMkLst>
-            <pc:docMk/>
-            <pc:sldMk cId="0" sldId="298"/>
-            <ac:picMk id="32" creationId="{D4E70C0B-CB58-ABE7-5B5E-0B4085ED8903}"/>
-          </ac:picMkLst>
-        </pc:picChg>
-        <pc:picChg chg="add del mod">
-          <ac:chgData name="Mohammed Fasha" userId="cc64f42d-a1a6-4f08-b97b-0c37f877119f" providerId="ADAL" clId="{1430C6B2-0695-4939-9A81-7D403BE3894B}" dt="2025-04-06T03:43:16.811" v="338" actId="478"/>
-          <ac:picMkLst>
-            <pc:docMk/>
-            <pc:sldMk cId="0" sldId="298"/>
-            <ac:picMk id="1026" creationId="{D90B3094-14CC-B8F6-2571-3048767F0E27}"/>
-          </ac:picMkLst>
-        </pc:picChg>
-        <pc:picChg chg="add mod">
-          <ac:chgData name="Mohammed Fasha" userId="cc64f42d-a1a6-4f08-b97b-0c37f877119f" providerId="ADAL" clId="{1430C6B2-0695-4939-9A81-7D403BE3894B}" dt="2025-04-06T04:01:52.879" v="581" actId="1076"/>
-          <ac:picMkLst>
-            <pc:docMk/>
-            <pc:sldMk cId="0" sldId="298"/>
-            <ac:picMk id="1028" creationId="{974A0B8E-89DD-B734-C25D-CBAC00E08EDD}"/>
-          </ac:picMkLst>
-        </pc:picChg>
-        <pc:cxnChg chg="add mod">
-          <ac:chgData name="Mohammed Fasha" userId="cc64f42d-a1a6-4f08-b97b-0c37f877119f" providerId="ADAL" clId="{1430C6B2-0695-4939-9A81-7D403BE3894B}" dt="2025-04-06T02:50:18.372" v="34" actId="11529"/>
-          <ac:cxnSpMkLst>
-            <pc:docMk/>
-            <pc:sldMk cId="0" sldId="298"/>
-            <ac:cxnSpMk id="5" creationId="{28788DE7-3693-C70C-B93C-60A1888D03D2}"/>
-          </ac:cxnSpMkLst>
-        </pc:cxnChg>
-        <pc:cxnChg chg="add del mod">
-          <ac:chgData name="Mohammed Fasha" userId="cc64f42d-a1a6-4f08-b97b-0c37f877119f" providerId="ADAL" clId="{1430C6B2-0695-4939-9A81-7D403BE3894B}" dt="2025-04-06T03:43:18.459" v="339" actId="478"/>
-          <ac:cxnSpMkLst>
-            <pc:docMk/>
-            <pc:sldMk cId="0" sldId="298"/>
-            <ac:cxnSpMk id="7" creationId="{F2FB1721-316B-2BD4-8B07-946FF3A96A1A}"/>
-          </ac:cxnSpMkLst>
-        </pc:cxnChg>
-        <pc:cxnChg chg="add del mod">
-          <ac:chgData name="Mohammed Fasha" userId="cc64f42d-a1a6-4f08-b97b-0c37f877119f" providerId="ADAL" clId="{1430C6B2-0695-4939-9A81-7D403BE3894B}" dt="2025-04-06T03:43:19.577" v="340" actId="478"/>
-          <ac:cxnSpMkLst>
-            <pc:docMk/>
-            <pc:sldMk cId="0" sldId="298"/>
-            <ac:cxnSpMk id="11" creationId="{1A2205F4-FEC4-AAD7-55A1-4CC392654425}"/>
-          </ac:cxnSpMkLst>
-        </pc:cxnChg>
-        <pc:cxnChg chg="add mod">
-          <ac:chgData name="Mohammed Fasha" userId="cc64f42d-a1a6-4f08-b97b-0c37f877119f" providerId="ADAL" clId="{1430C6B2-0695-4939-9A81-7D403BE3894B}" dt="2025-04-06T04:03:11.548" v="617" actId="14100"/>
-          <ac:cxnSpMkLst>
-            <pc:docMk/>
-            <pc:sldMk cId="0" sldId="298"/>
-            <ac:cxnSpMk id="34" creationId="{F314804B-B785-97DA-92C0-0F635BD5F896}"/>
-          </ac:cxnSpMkLst>
-        </pc:cxnChg>
-        <pc:cxnChg chg="add mod">
-          <ac:chgData name="Mohammed Fasha" userId="cc64f42d-a1a6-4f08-b97b-0c37f877119f" providerId="ADAL" clId="{1430C6B2-0695-4939-9A81-7D403BE3894B}" dt="2025-04-06T04:04:18.059" v="637" actId="14100"/>
-          <ac:cxnSpMkLst>
-            <pc:docMk/>
-            <pc:sldMk cId="0" sldId="298"/>
-            <ac:cxnSpMk id="39" creationId="{B977B6F6-7628-93C6-1CCA-377325D2C96B}"/>
-          </ac:cxnSpMkLst>
-        </pc:cxnChg>
-        <pc:cxnChg chg="add del mod">
-          <ac:chgData name="Mohammed Fasha" userId="cc64f42d-a1a6-4f08-b97b-0c37f877119f" providerId="ADAL" clId="{1430C6B2-0695-4939-9A81-7D403BE3894B}" dt="2025-04-06T04:03:59.863" v="632" actId="11529"/>
-          <ac:cxnSpMkLst>
-            <pc:docMk/>
-            <pc:sldMk cId="0" sldId="298"/>
-            <ac:cxnSpMk id="43" creationId="{420FC466-2708-F1AC-9CBB-C186860CBA73}"/>
-          </ac:cxnSpMkLst>
-        </pc:cxnChg>
-      </pc:sldChg>
-      <pc:sldChg chg="modSp add mod">
-        <pc:chgData name="Mohammed Fasha" userId="cc64f42d-a1a6-4f08-b97b-0c37f877119f" providerId="ADAL" clId="{1430C6B2-0695-4939-9A81-7D403BE3894B}" dt="2025-04-06T02:49:07.784" v="32" actId="207"/>
-        <pc:sldMkLst>
-          <pc:docMk/>
-          <pc:sldMk cId="0" sldId="299"/>
-        </pc:sldMkLst>
-        <pc:spChg chg="mod">
-          <ac:chgData name="Mohammed Fasha" userId="cc64f42d-a1a6-4f08-b97b-0c37f877119f" providerId="ADAL" clId="{1430C6B2-0695-4939-9A81-7D403BE3894B}" dt="2025-04-06T02:49:07.784" v="32" actId="207"/>
-          <ac:spMkLst>
-            <pc:docMk/>
-            <pc:sldMk cId="0" sldId="299"/>
-            <ac:spMk id="3" creationId="{00000000-0000-0000-0000-000000000000}"/>
-          </ac:spMkLst>
-        </pc:spChg>
-      </pc:sldChg>
-      <pc:sldChg chg="modSp add mod">
-        <pc:chgData name="Mohammed Fasha" userId="cc64f42d-a1a6-4f08-b97b-0c37f877119f" providerId="ADAL" clId="{1430C6B2-0695-4939-9A81-7D403BE3894B}" dt="2025-04-06T03:06:14.458" v="117" actId="5793"/>
-        <pc:sldMkLst>
-          <pc:docMk/>
-          <pc:sldMk cId="0" sldId="300"/>
-        </pc:sldMkLst>
-        <pc:spChg chg="mod">
-          <ac:chgData name="Mohammed Fasha" userId="cc64f42d-a1a6-4f08-b97b-0c37f877119f" providerId="ADAL" clId="{1430C6B2-0695-4939-9A81-7D403BE3894B}" dt="2025-04-06T03:06:14.458" v="117" actId="5793"/>
-          <ac:spMkLst>
-            <pc:docMk/>
-            <pc:sldMk cId="0" sldId="300"/>
-            <ac:spMk id="3" creationId="{00000000-0000-0000-0000-000000000000}"/>
-          </ac:spMkLst>
-        </pc:spChg>
-      </pc:sldChg>
-      <pc:sldChg chg="addSp delSp modSp add mod">
-        <pc:chgData name="Mohammed Fasha" userId="cc64f42d-a1a6-4f08-b97b-0c37f877119f" providerId="ADAL" clId="{1430C6B2-0695-4939-9A81-7D403BE3894B}" dt="2025-04-06T03:09:29.653" v="151" actId="1076"/>
-        <pc:sldMkLst>
-          <pc:docMk/>
-          <pc:sldMk cId="0" sldId="301"/>
-        </pc:sldMkLst>
-        <pc:spChg chg="mod">
-          <ac:chgData name="Mohammed Fasha" userId="cc64f42d-a1a6-4f08-b97b-0c37f877119f" providerId="ADAL" clId="{1430C6B2-0695-4939-9A81-7D403BE3894B}" dt="2025-04-06T03:07:12.307" v="120" actId="14100"/>
-          <ac:spMkLst>
-            <pc:docMk/>
-            <pc:sldMk cId="0" sldId="301"/>
-            <ac:spMk id="3" creationId="{00000000-0000-0000-0000-000000000000}"/>
-          </ac:spMkLst>
-        </pc:spChg>
-        <pc:spChg chg="add del mod">
-          <ac:chgData name="Mohammed Fasha" userId="cc64f42d-a1a6-4f08-b97b-0c37f877119f" providerId="ADAL" clId="{1430C6B2-0695-4939-9A81-7D403BE3894B}" dt="2025-04-06T03:08:51.701" v="142" actId="478"/>
-          <ac:spMkLst>
-            <pc:docMk/>
-            <pc:sldMk cId="0" sldId="301"/>
-            <ac:spMk id="5" creationId="{9B1F7FA5-2A7B-819D-25CE-3A87F91D9B79}"/>
-          </ac:spMkLst>
-        </pc:spChg>
-        <pc:spChg chg="add mod">
-          <ac:chgData name="Mohammed Fasha" userId="cc64f42d-a1a6-4f08-b97b-0c37f877119f" providerId="ADAL" clId="{1430C6B2-0695-4939-9A81-7D403BE3894B}" dt="2025-04-06T03:08:01.400" v="131"/>
-          <ac:spMkLst>
-            <pc:docMk/>
-            <pc:sldMk cId="0" sldId="301"/>
-            <ac:spMk id="7" creationId="{4C10014B-4295-96D8-228C-AD3A1860D128}"/>
-          </ac:spMkLst>
-        </pc:spChg>
-        <pc:graphicFrameChg chg="add mod">
-          <ac:chgData name="Mohammed Fasha" userId="cc64f42d-a1a6-4f08-b97b-0c37f877119f" providerId="ADAL" clId="{1430C6B2-0695-4939-9A81-7D403BE3894B}" dt="2025-04-06T03:07:57.018" v="130"/>
-          <ac:graphicFrameMkLst>
-            <pc:docMk/>
-            <pc:sldMk cId="0" sldId="301"/>
-            <ac:graphicFrameMk id="6" creationId="{5E805BF9-A5DE-4441-9608-983B6749EEBB}"/>
-          </ac:graphicFrameMkLst>
-        </pc:graphicFrameChg>
-        <pc:graphicFrameChg chg="add mod modGraphic">
-          <ac:chgData name="Mohammed Fasha" userId="cc64f42d-a1a6-4f08-b97b-0c37f877119f" providerId="ADAL" clId="{1430C6B2-0695-4939-9A81-7D403BE3894B}" dt="2025-04-06T03:09:29.653" v="151" actId="1076"/>
-          <ac:graphicFrameMkLst>
-            <pc:docMk/>
-            <pc:sldMk cId="0" sldId="301"/>
-            <ac:graphicFrameMk id="8" creationId="{BF509A1C-22C8-318A-67E2-B4F741CEEA6A}"/>
-          </ac:graphicFrameMkLst>
-        </pc:graphicFrameChg>
-      </pc:sldChg>
-      <pc:sldChg chg="modSp add mod">
-        <pc:chgData name="Mohammed Fasha" userId="cc64f42d-a1a6-4f08-b97b-0c37f877119f" providerId="ADAL" clId="{1430C6B2-0695-4939-9A81-7D403BE3894B}" dt="2025-04-06T03:09:43.145" v="153" actId="5793"/>
-        <pc:sldMkLst>
-          <pc:docMk/>
-          <pc:sldMk cId="0" sldId="302"/>
-        </pc:sldMkLst>
-        <pc:spChg chg="mod">
-          <ac:chgData name="Mohammed Fasha" userId="cc64f42d-a1a6-4f08-b97b-0c37f877119f" providerId="ADAL" clId="{1430C6B2-0695-4939-9A81-7D403BE3894B}" dt="2025-04-06T03:09:43.145" v="153" actId="5793"/>
-          <ac:spMkLst>
-            <pc:docMk/>
-            <pc:sldMk cId="0" sldId="302"/>
-            <ac:spMk id="3" creationId="{00000000-0000-0000-0000-000000000000}"/>
-          </ac:spMkLst>
-        </pc:spChg>
-      </pc:sldChg>
-      <pc:sldChg chg="addSp delSp modSp add mod">
-        <pc:chgData name="Mohammed Fasha" userId="cc64f42d-a1a6-4f08-b97b-0c37f877119f" providerId="ADAL" clId="{1430C6B2-0695-4939-9A81-7D403BE3894B}" dt="2025-04-06T04:09:38.503" v="657" actId="1076"/>
-        <pc:sldMkLst>
-          <pc:docMk/>
-          <pc:sldMk cId="0" sldId="303"/>
-        </pc:sldMkLst>
-        <pc:spChg chg="add del mod">
-          <ac:chgData name="Mohammed Fasha" userId="cc64f42d-a1a6-4f08-b97b-0c37f877119f" providerId="ADAL" clId="{1430C6B2-0695-4939-9A81-7D403BE3894B}" dt="2025-04-06T03:14:32.635" v="174" actId="478"/>
-          <ac:spMkLst>
-            <pc:docMk/>
-            <pc:sldMk cId="0" sldId="303"/>
-            <ac:spMk id="3" creationId="{00000000-0000-0000-0000-000000000000}"/>
-          </ac:spMkLst>
-        </pc:spChg>
-        <pc:spChg chg="add del mod">
-          <ac:chgData name="Mohammed Fasha" userId="cc64f42d-a1a6-4f08-b97b-0c37f877119f" providerId="ADAL" clId="{1430C6B2-0695-4939-9A81-7D403BE3894B}" dt="2025-04-06T03:13:36.459" v="167" actId="478"/>
-          <ac:spMkLst>
-            <pc:docMk/>
-            <pc:sldMk cId="0" sldId="303"/>
-            <ac:spMk id="5" creationId="{5E45DA4A-AE2D-F776-BC09-2B28E22C2E11}"/>
-          </ac:spMkLst>
-        </pc:spChg>
-        <pc:spChg chg="add del mod">
-          <ac:chgData name="Mohammed Fasha" userId="cc64f42d-a1a6-4f08-b97b-0c37f877119f" providerId="ADAL" clId="{1430C6B2-0695-4939-9A81-7D403BE3894B}" dt="2025-04-06T03:14:52.359" v="178" actId="22"/>
-          <ac:spMkLst>
-            <pc:docMk/>
-            <pc:sldMk cId="0" sldId="303"/>
-            <ac:spMk id="15" creationId="{308F0E32-B23C-BEC6-0CD8-FDC9149AAB75}"/>
-          </ac:spMkLst>
-        </pc:spChg>
-        <pc:picChg chg="add del mod ord">
-          <ac:chgData name="Mohammed Fasha" userId="cc64f42d-a1a6-4f08-b97b-0c37f877119f" providerId="ADAL" clId="{1430C6B2-0695-4939-9A81-7D403BE3894B}" dt="2025-04-06T03:11:58.603" v="158" actId="22"/>
-          <ac:picMkLst>
-            <pc:docMk/>
-            <pc:sldMk cId="0" sldId="303"/>
-            <ac:picMk id="7" creationId="{E18A42F6-9EFD-4885-B3B8-193BEFB5B0C0}"/>
-          </ac:picMkLst>
-        </pc:picChg>
-        <pc:picChg chg="add del mod ord">
-          <ac:chgData name="Mohammed Fasha" userId="cc64f42d-a1a6-4f08-b97b-0c37f877119f" providerId="ADAL" clId="{1430C6B2-0695-4939-9A81-7D403BE3894B}" dt="2025-04-06T03:12:10.943" v="164" actId="22"/>
-          <ac:picMkLst>
-            <pc:docMk/>
-            <pc:sldMk cId="0" sldId="303"/>
-            <ac:picMk id="9" creationId="{CB9CEB62-57BC-21B3-21F8-45F0CA3DB980}"/>
-          </ac:picMkLst>
-        </pc:picChg>
-        <pc:picChg chg="add del mod ord">
-          <ac:chgData name="Mohammed Fasha" userId="cc64f42d-a1a6-4f08-b97b-0c37f877119f" providerId="ADAL" clId="{1430C6B2-0695-4939-9A81-7D403BE3894B}" dt="2025-04-06T03:13:36.191" v="166" actId="22"/>
-          <ac:picMkLst>
-            <pc:docMk/>
-            <pc:sldMk cId="0" sldId="303"/>
-            <ac:picMk id="11" creationId="{69DC0A5F-4CE6-86BA-9CDE-3EAA9DFDFB5B}"/>
-          </ac:picMkLst>
-        </pc:picChg>
-        <pc:picChg chg="add del mod">
-          <ac:chgData name="Mohammed Fasha" userId="cc64f42d-a1a6-4f08-b97b-0c37f877119f" providerId="ADAL" clId="{1430C6B2-0695-4939-9A81-7D403BE3894B}" dt="2025-04-06T03:14:37.237" v="176" actId="478"/>
-          <ac:picMkLst>
-            <pc:docMk/>
-            <pc:sldMk cId="0" sldId="303"/>
-            <ac:picMk id="13" creationId="{4D8811F4-881A-AB33-725E-15BF45AECD46}"/>
-          </ac:picMkLst>
-        </pc:picChg>
-        <pc:picChg chg="add mod ord">
-          <ac:chgData name="Mohammed Fasha" userId="cc64f42d-a1a6-4f08-b97b-0c37f877119f" providerId="ADAL" clId="{1430C6B2-0695-4939-9A81-7D403BE3894B}" dt="2025-04-06T04:09:38.503" v="657" actId="1076"/>
-          <ac:picMkLst>
-            <pc:docMk/>
-            <pc:sldMk cId="0" sldId="303"/>
-            <ac:picMk id="17" creationId="{7E184D5F-AB91-4FC3-B4FD-043A5C589982}"/>
-          </ac:picMkLst>
-        </pc:picChg>
-      </pc:sldChg>
-      <pc:sldChg chg="addSp delSp modSp add mod">
-        <pc:chgData name="Mohammed Fasha" userId="cc64f42d-a1a6-4f08-b97b-0c37f877119f" providerId="ADAL" clId="{1430C6B2-0695-4939-9A81-7D403BE3894B}" dt="2025-04-06T03:16:28.440" v="183" actId="1076"/>
-        <pc:sldMkLst>
-          <pc:docMk/>
-          <pc:sldMk cId="0" sldId="304"/>
-        </pc:sldMkLst>
-        <pc:spChg chg="del mod">
-          <ac:chgData name="Mohammed Fasha" userId="cc64f42d-a1a6-4f08-b97b-0c37f877119f" providerId="ADAL" clId="{1430C6B2-0695-4939-9A81-7D403BE3894B}" dt="2025-04-06T03:14:22.095" v="172" actId="478"/>
-          <ac:spMkLst>
-            <pc:docMk/>
-            <pc:sldMk cId="0" sldId="304"/>
-            <ac:spMk id="3" creationId="{00000000-0000-0000-0000-000000000000}"/>
-          </ac:spMkLst>
-        </pc:spChg>
-        <pc:spChg chg="add del mod">
-          <ac:chgData name="Mohammed Fasha" userId="cc64f42d-a1a6-4f08-b97b-0c37f877119f" providerId="ADAL" clId="{1430C6B2-0695-4939-9A81-7D403BE3894B}" dt="2025-04-06T03:14:24.322" v="173" actId="22"/>
-          <ac:spMkLst>
-            <pc:docMk/>
-            <pc:sldMk cId="0" sldId="304"/>
-            <ac:spMk id="5" creationId="{32B7B2C7-2967-CD2D-CCC4-88DCFB4CE86C}"/>
-          </ac:spMkLst>
-        </pc:spChg>
-        <pc:picChg chg="add mod ord">
-          <ac:chgData name="Mohammed Fasha" userId="cc64f42d-a1a6-4f08-b97b-0c37f877119f" providerId="ADAL" clId="{1430C6B2-0695-4939-9A81-7D403BE3894B}" dt="2025-04-06T03:16:28.440" v="183" actId="1076"/>
-          <ac:picMkLst>
-            <pc:docMk/>
-            <pc:sldMk cId="0" sldId="304"/>
-            <ac:picMk id="7" creationId="{CA11F557-4092-5303-C3E7-245686D24A6B}"/>
-          </ac:picMkLst>
-        </pc:picChg>
-      </pc:sldChg>
-      <pc:sldChg chg="addSp delSp modSp add mod">
-        <pc:chgData name="Mohammed Fasha" userId="cc64f42d-a1a6-4f08-b97b-0c37f877119f" providerId="ADAL" clId="{1430C6B2-0695-4939-9A81-7D403BE3894B}" dt="2025-04-06T03:16:35.636" v="185" actId="1076"/>
-        <pc:sldMkLst>
-          <pc:docMk/>
-          <pc:sldMk cId="0" sldId="305"/>
-        </pc:sldMkLst>
-        <pc:spChg chg="del mod">
-          <ac:chgData name="Mohammed Fasha" userId="cc64f42d-a1a6-4f08-b97b-0c37f877119f" providerId="ADAL" clId="{1430C6B2-0695-4939-9A81-7D403BE3894B}" dt="2025-04-06T03:15:31.854" v="179" actId="478"/>
-          <ac:spMkLst>
-            <pc:docMk/>
-            <pc:sldMk cId="0" sldId="305"/>
-            <ac:spMk id="3" creationId="{00000000-0000-0000-0000-000000000000}"/>
-          </ac:spMkLst>
-        </pc:spChg>
-        <pc:spChg chg="add del mod">
-          <ac:chgData name="Mohammed Fasha" userId="cc64f42d-a1a6-4f08-b97b-0c37f877119f" providerId="ADAL" clId="{1430C6B2-0695-4939-9A81-7D403BE3894B}" dt="2025-04-06T03:15:33.437" v="180" actId="22"/>
-          <ac:spMkLst>
-            <pc:docMk/>
-            <pc:sldMk cId="0" sldId="305"/>
-            <ac:spMk id="5" creationId="{79D88F59-7758-403B-6D74-113A4AC520F3}"/>
-          </ac:spMkLst>
-        </pc:spChg>
-        <pc:picChg chg="add mod ord">
-          <ac:chgData name="Mohammed Fasha" userId="cc64f42d-a1a6-4f08-b97b-0c37f877119f" providerId="ADAL" clId="{1430C6B2-0695-4939-9A81-7D403BE3894B}" dt="2025-04-06T03:16:35.636" v="185" actId="1076"/>
-          <ac:picMkLst>
-            <pc:docMk/>
-            <pc:sldMk cId="0" sldId="305"/>
-            <ac:picMk id="7" creationId="{C161519D-5871-0665-567B-918E90876D30}"/>
-          </ac:picMkLst>
-        </pc:picChg>
-      </pc:sldChg>
-      <pc:sldChg chg="addSp delSp modSp add mod">
-        <pc:chgData name="Mohammed Fasha" userId="cc64f42d-a1a6-4f08-b97b-0c37f877119f" providerId="ADAL" clId="{1430C6B2-0695-4939-9A81-7D403BE3894B}" dt="2025-04-06T03:17:06.488" v="191" actId="1076"/>
-        <pc:sldMkLst>
-          <pc:docMk/>
-          <pc:sldMk cId="0" sldId="306"/>
-        </pc:sldMkLst>
-        <pc:spChg chg="add del mod">
-          <ac:chgData name="Mohammed Fasha" userId="cc64f42d-a1a6-4f08-b97b-0c37f877119f" providerId="ADAL" clId="{1430C6B2-0695-4939-9A81-7D403BE3894B}" dt="2025-04-06T03:17:01.446" v="188" actId="478"/>
-          <ac:spMkLst>
-            <pc:docMk/>
-            <pc:sldMk cId="0" sldId="306"/>
-            <ac:spMk id="3" creationId="{00000000-0000-0000-0000-000000000000}"/>
-          </ac:spMkLst>
-        </pc:spChg>
-        <pc:spChg chg="add del mod">
-          <ac:chgData name="Mohammed Fasha" userId="cc64f42d-a1a6-4f08-b97b-0c37f877119f" providerId="ADAL" clId="{1430C6B2-0695-4939-9A81-7D403BE3894B}" dt="2025-04-06T03:16:59.503" v="187" actId="478"/>
-          <ac:spMkLst>
-            <pc:docMk/>
-            <pc:sldMk cId="0" sldId="306"/>
-            <ac:spMk id="5" creationId="{4427958B-45FE-6D08-A0CB-9AA1B13E0E3E}"/>
-          </ac:spMkLst>
-        </pc:spChg>
-        <pc:spChg chg="add del mod">
-          <ac:chgData name="Mohammed Fasha" userId="cc64f42d-a1a6-4f08-b97b-0c37f877119f" providerId="ADAL" clId="{1430C6B2-0695-4939-9A81-7D403BE3894B}" dt="2025-04-06T03:17:02.943" v="189" actId="22"/>
-          <ac:spMkLst>
-            <pc:docMk/>
-            <pc:sldMk cId="0" sldId="306"/>
-            <ac:spMk id="7" creationId="{ED88EDAB-5A62-C409-E76C-84016BE6969B}"/>
-          </ac:spMkLst>
-        </pc:spChg>
-        <pc:picChg chg="add mod ord">
-          <ac:chgData name="Mohammed Fasha" userId="cc64f42d-a1a6-4f08-b97b-0c37f877119f" providerId="ADAL" clId="{1430C6B2-0695-4939-9A81-7D403BE3894B}" dt="2025-04-06T03:17:06.488" v="191" actId="1076"/>
-          <ac:picMkLst>
-            <pc:docMk/>
-            <pc:sldMk cId="0" sldId="306"/>
-            <ac:picMk id="9" creationId="{F6DB4D3B-209A-3F7B-B0C5-EDC2EC27C070}"/>
-          </ac:picMkLst>
-        </pc:picChg>
-      </pc:sldChg>
-      <pc:sldChg chg="modSp add del mod">
-        <pc:chgData name="Mohammed Fasha" userId="cc64f42d-a1a6-4f08-b97b-0c37f877119f" providerId="ADAL" clId="{1430C6B2-0695-4939-9A81-7D403BE3894B}" dt="2025-04-06T03:17:10.927" v="192" actId="2696"/>
-        <pc:sldMkLst>
-          <pc:docMk/>
-          <pc:sldMk cId="0" sldId="307"/>
-        </pc:sldMkLst>
-        <pc:spChg chg="mod">
-          <ac:chgData name="Mohammed Fasha" userId="cc64f42d-a1a6-4f08-b97b-0c37f877119f" providerId="ADAL" clId="{1430C6B2-0695-4939-9A81-7D403BE3894B}" dt="2025-04-06T02:57:24.481" v="100" actId="20577"/>
-          <ac:spMkLst>
-            <pc:docMk/>
-            <pc:sldMk cId="0" sldId="307"/>
-            <ac:spMk id="3" creationId="{00000000-0000-0000-0000-000000000000}"/>
-          </ac:spMkLst>
-        </pc:spChg>
-      </pc:sldChg>
-      <pc:sldChg chg="addSp delSp modSp add mod">
-        <pc:chgData name="Mohammed Fasha" userId="cc64f42d-a1a6-4f08-b97b-0c37f877119f" providerId="ADAL" clId="{1430C6B2-0695-4939-9A81-7D403BE3894B}" dt="2025-04-06T04:08:17.019" v="656" actId="1076"/>
-        <pc:sldMkLst>
-          <pc:docMk/>
-          <pc:sldMk cId="566407149" sldId="307"/>
-        </pc:sldMkLst>
-        <pc:spChg chg="del">
-          <ac:chgData name="Mohammed Fasha" userId="cc64f42d-a1a6-4f08-b97b-0c37f877119f" providerId="ADAL" clId="{1430C6B2-0695-4939-9A81-7D403BE3894B}" dt="2025-04-06T04:01:05.657" v="571" actId="21"/>
-          <ac:spMkLst>
-            <pc:docMk/>
-            <pc:sldMk cId="566407149" sldId="307"/>
-            <ac:spMk id="3" creationId="{C2C9FBEA-1DC7-7AC8-4035-11136361261D}"/>
-          </ac:spMkLst>
-        </pc:spChg>
-        <pc:spChg chg="add del mod">
-          <ac:chgData name="Mohammed Fasha" userId="cc64f42d-a1a6-4f08-b97b-0c37f877119f" providerId="ADAL" clId="{1430C6B2-0695-4939-9A81-7D403BE3894B}" dt="2025-04-06T04:01:18.274" v="572" actId="22"/>
-          <ac:spMkLst>
-            <pc:docMk/>
-            <pc:sldMk cId="566407149" sldId="307"/>
-            <ac:spMk id="5" creationId="{7C34EF74-ABDF-C5B4-A5E1-F91BAC3168BE}"/>
-          </ac:spMkLst>
-        </pc:spChg>
-        <pc:picChg chg="add mod ord">
-          <ac:chgData name="Mohammed Fasha" userId="cc64f42d-a1a6-4f08-b97b-0c37f877119f" providerId="ADAL" clId="{1430C6B2-0695-4939-9A81-7D403BE3894B}" dt="2025-04-06T04:01:25.568" v="574" actId="1076"/>
-          <ac:picMkLst>
-            <pc:docMk/>
-            <pc:sldMk cId="566407149" sldId="307"/>
-            <ac:picMk id="7" creationId="{52F9A5DE-4DA5-02A4-E05C-513BE84CC55D}"/>
-          </ac:picMkLst>
-        </pc:picChg>
-        <pc:picChg chg="add mod">
-          <ac:chgData name="Mohammed Fasha" userId="cc64f42d-a1a6-4f08-b97b-0c37f877119f" providerId="ADAL" clId="{1430C6B2-0695-4939-9A81-7D403BE3894B}" dt="2025-04-06T04:08:17.019" v="656" actId="1076"/>
-          <ac:picMkLst>
-            <pc:docMk/>
-            <pc:sldMk cId="566407149" sldId="307"/>
-            <ac:picMk id="9" creationId="{A97FD6D9-93B3-C33B-BA1A-25EAA798FBF7}"/>
-          </ac:picMkLst>
-        </pc:picChg>
-        <pc:picChg chg="add mod">
-          <ac:chgData name="Mohammed Fasha" userId="cc64f42d-a1a6-4f08-b97b-0c37f877119f" providerId="ADAL" clId="{1430C6B2-0695-4939-9A81-7D403BE3894B}" dt="2025-04-06T04:08:08.555" v="652" actId="1076"/>
-          <ac:picMkLst>
-            <pc:docMk/>
-            <pc:sldMk cId="566407149" sldId="307"/>
-            <ac:picMk id="11" creationId="{0402BC08-439D-17A5-DBFC-F0D1CA4DBB8D}"/>
-          </ac:picMkLst>
-        </pc:picChg>
-        <pc:picChg chg="del mod">
-          <ac:chgData name="Mohammed Fasha" userId="cc64f42d-a1a6-4f08-b97b-0c37f877119f" providerId="ADAL" clId="{1430C6B2-0695-4939-9A81-7D403BE3894B}" dt="2025-04-06T04:08:01.772" v="649" actId="478"/>
-          <ac:picMkLst>
-            <pc:docMk/>
-            <pc:sldMk cId="566407149" sldId="307"/>
-            <ac:picMk id="28" creationId="{52C53B5C-821D-E045-632E-9DBBE5B7E0D8}"/>
-          </ac:picMkLst>
-        </pc:picChg>
-        <pc:picChg chg="del">
-          <ac:chgData name="Mohammed Fasha" userId="cc64f42d-a1a6-4f08-b97b-0c37f877119f" providerId="ADAL" clId="{1430C6B2-0695-4939-9A81-7D403BE3894B}" dt="2025-04-06T04:01:01.567" v="570" actId="21"/>
-          <ac:picMkLst>
-            <pc:docMk/>
-            <pc:sldMk cId="566407149" sldId="307"/>
-            <ac:picMk id="32" creationId="{9255DE30-DC9A-368C-F8B3-E155F88AE569}"/>
-          </ac:picMkLst>
-        </pc:picChg>
-      </pc:sldChg>
-      <pc:sldChg chg="modSp add del mod">
-        <pc:chgData name="Mohammed Fasha" userId="cc64f42d-a1a6-4f08-b97b-0c37f877119f" providerId="ADAL" clId="{1430C6B2-0695-4939-9A81-7D403BE3894B}" dt="2025-04-06T03:17:13.337" v="193" actId="2696"/>
-        <pc:sldMkLst>
-          <pc:docMk/>
-          <pc:sldMk cId="0" sldId="308"/>
-        </pc:sldMkLst>
-        <pc:spChg chg="mod">
-          <ac:chgData name="Mohammed Fasha" userId="cc64f42d-a1a6-4f08-b97b-0c37f877119f" providerId="ADAL" clId="{1430C6B2-0695-4939-9A81-7D403BE3894B}" dt="2025-04-06T02:57:37.807" v="104" actId="20577"/>
-          <ac:spMkLst>
-            <pc:docMk/>
-            <pc:sldMk cId="0" sldId="308"/>
-            <ac:spMk id="3" creationId="{00000000-0000-0000-0000-000000000000}"/>
-          </ac:spMkLst>
-        </pc:spChg>
-      </pc:sldChg>
-      <pc:sldChg chg="addSp delSp modSp new mod">
-        <pc:chgData name="Mohammed Fasha" userId="cc64f42d-a1a6-4f08-b97b-0c37f877119f" providerId="ADAL" clId="{1430C6B2-0695-4939-9A81-7D403BE3894B}" dt="2025-04-06T04:17:45.506" v="716" actId="14100"/>
-        <pc:sldMkLst>
-          <pc:docMk/>
-          <pc:sldMk cId="2501734364" sldId="308"/>
-        </pc:sldMkLst>
-        <pc:spChg chg="mod">
-          <ac:chgData name="Mohammed Fasha" userId="cc64f42d-a1a6-4f08-b97b-0c37f877119f" providerId="ADAL" clId="{1430C6B2-0695-4939-9A81-7D403BE3894B}" dt="2025-04-06T04:17:33.796" v="712" actId="20577"/>
-          <ac:spMkLst>
-            <pc:docMk/>
-            <pc:sldMk cId="2501734364" sldId="308"/>
-            <ac:spMk id="2" creationId="{41BDA84C-AD74-5814-D82A-5F88FC8C9069}"/>
-          </ac:spMkLst>
-        </pc:spChg>
-        <pc:spChg chg="del">
-          <ac:chgData name="Mohammed Fasha" userId="cc64f42d-a1a6-4f08-b97b-0c37f877119f" providerId="ADAL" clId="{1430C6B2-0695-4939-9A81-7D403BE3894B}" dt="2025-04-06T04:15:43.743" v="659" actId="22"/>
-          <ac:spMkLst>
-            <pc:docMk/>
-            <pc:sldMk cId="2501734364" sldId="308"/>
-            <ac:spMk id="3" creationId="{03D3A865-6C4F-6733-10D7-57B4BA9C3752}"/>
-          </ac:spMkLst>
-        </pc:spChg>
-        <pc:spChg chg="add del mod">
-          <ac:chgData name="Mohammed Fasha" userId="cc64f42d-a1a6-4f08-b97b-0c37f877119f" providerId="ADAL" clId="{1430C6B2-0695-4939-9A81-7D403BE3894B}" dt="2025-04-06T04:16:15.499" v="663" actId="22"/>
-          <ac:spMkLst>
-            <pc:docMk/>
-            <pc:sldMk cId="2501734364" sldId="308"/>
-            <ac:spMk id="7" creationId="{A5BCEE4D-678A-42B0-5476-FD4309C747DA}"/>
-          </ac:spMkLst>
-        </pc:spChg>
-        <pc:picChg chg="add del mod ord">
-          <ac:chgData name="Mohammed Fasha" userId="cc64f42d-a1a6-4f08-b97b-0c37f877119f" providerId="ADAL" clId="{1430C6B2-0695-4939-9A81-7D403BE3894B}" dt="2025-04-06T04:16:12.314" v="662" actId="478"/>
-          <ac:picMkLst>
-            <pc:docMk/>
-            <pc:sldMk cId="2501734364" sldId="308"/>
-            <ac:picMk id="5" creationId="{83E099EE-8125-2C56-9333-143A0ECBCC54}"/>
-          </ac:picMkLst>
-        </pc:picChg>
-        <pc:picChg chg="add mod ord">
-          <ac:chgData name="Mohammed Fasha" userId="cc64f42d-a1a6-4f08-b97b-0c37f877119f" providerId="ADAL" clId="{1430C6B2-0695-4939-9A81-7D403BE3894B}" dt="2025-04-06T04:17:45.506" v="716" actId="14100"/>
-          <ac:picMkLst>
-            <pc:docMk/>
-            <pc:sldMk cId="2501734364" sldId="308"/>
-            <ac:picMk id="9" creationId="{F079DF9D-D91F-8F19-E096-CEB55AE60F5E}"/>
-          </ac:picMkLst>
-        </pc:picChg>
-        <pc:picChg chg="add mod">
-          <ac:chgData name="Mohammed Fasha" userId="cc64f42d-a1a6-4f08-b97b-0c37f877119f" providerId="ADAL" clId="{1430C6B2-0695-4939-9A81-7D403BE3894B}" dt="2025-04-06T04:17:43.677" v="715" actId="1076"/>
-          <ac:picMkLst>
-            <pc:docMk/>
-            <pc:sldMk cId="2501734364" sldId="308"/>
-            <ac:picMk id="11" creationId="{A62FBA81-FB50-9A3F-4551-5D02D03696AD}"/>
-          </ac:picMkLst>
-        </pc:picChg>
-      </pc:sldChg>
-    </pc:docChg>
-  </pc:docChgLst>
-  <pc:docChgLst>
-    <pc:chgData name="Mohammed Fasha" userId="S::mohammed.fasha@uop.edu.jo::cc64f42d-a1a6-4f08-b97b-0c37f877119f" providerId="AD" clId="Web-{743DE9A7-FD69-D988-D276-D6EB926D7F18}"/>
-    <pc:docChg chg="addSld modSld">
-      <pc:chgData name="Mohammed Fasha" userId="S::mohammed.fasha@uop.edu.jo::cc64f42d-a1a6-4f08-b97b-0c37f877119f" providerId="AD" clId="Web-{743DE9A7-FD69-D988-D276-D6EB926D7F18}" dt="2025-04-15T04:05:42.927" v="69" actId="20577"/>
-      <pc:docMkLst>
-        <pc:docMk/>
-      </pc:docMkLst>
-      <pc:sldChg chg="addSp delSp modSp new">
-        <pc:chgData name="Mohammed Fasha" userId="S::mohammed.fasha@uop.edu.jo::cc64f42d-a1a6-4f08-b97b-0c37f877119f" providerId="AD" clId="Web-{743DE9A7-FD69-D988-D276-D6EB926D7F18}" dt="2025-04-15T04:05:33.208" v="66"/>
-        <pc:sldMkLst>
-          <pc:docMk/>
-          <pc:sldMk cId="284403422" sldId="309"/>
-        </pc:sldMkLst>
-        <pc:spChg chg="mod">
-          <ac:chgData name="Mohammed Fasha" userId="S::mohammed.fasha@uop.edu.jo::cc64f42d-a1a6-4f08-b97b-0c37f877119f" providerId="AD" clId="Web-{743DE9A7-FD69-D988-D276-D6EB926D7F18}" dt="2025-04-15T04:05:30.271" v="65" actId="20577"/>
-          <ac:spMkLst>
-            <pc:docMk/>
-            <pc:sldMk cId="284403422" sldId="309"/>
-            <ac:spMk id="2" creationId="{E5CA6D79-3C67-3363-E0F5-5521910B22CB}"/>
-          </ac:spMkLst>
-        </pc:spChg>
-        <pc:spChg chg="add del mod">
-          <ac:chgData name="Mohammed Fasha" userId="S::mohammed.fasha@uop.edu.jo::cc64f42d-a1a6-4f08-b97b-0c37f877119f" providerId="AD" clId="Web-{743DE9A7-FD69-D988-D276-D6EB926D7F18}" dt="2025-04-15T04:03:23.501" v="9"/>
-          <ac:spMkLst>
-            <pc:docMk/>
-            <pc:sldMk cId="284403422" sldId="309"/>
-            <ac:spMk id="3" creationId="{355AFB6F-104A-151E-C5EF-64333CC76435}"/>
-          </ac:spMkLst>
-        </pc:spChg>
-        <pc:spChg chg="add del mod">
-          <ac:chgData name="Mohammed Fasha" userId="S::mohammed.fasha@uop.edu.jo::cc64f42d-a1a6-4f08-b97b-0c37f877119f" providerId="AD" clId="Web-{743DE9A7-FD69-D988-D276-D6EB926D7F18}" dt="2025-04-15T04:04:56.363" v="38"/>
-          <ac:spMkLst>
-            <pc:docMk/>
-            <pc:sldMk cId="284403422" sldId="309"/>
-            <ac:spMk id="8" creationId="{25017C28-A9DC-FE36-B4A7-BAE3FEFBC94C}"/>
-          </ac:spMkLst>
-        </pc:spChg>
-        <pc:spChg chg="add del mod">
-          <ac:chgData name="Mohammed Fasha" userId="S::mohammed.fasha@uop.edu.jo::cc64f42d-a1a6-4f08-b97b-0c37f877119f" providerId="AD" clId="Web-{743DE9A7-FD69-D988-D276-D6EB926D7F18}" dt="2025-04-15T04:05:07.614" v="42"/>
-          <ac:spMkLst>
-            <pc:docMk/>
-            <pc:sldMk cId="284403422" sldId="309"/>
-            <ac:spMk id="11" creationId="{CCDEB9BE-9005-7902-FD4F-A0049B71A35D}"/>
-          </ac:spMkLst>
-        </pc:spChg>
-        <pc:spChg chg="add del mod">
-          <ac:chgData name="Mohammed Fasha" userId="S::mohammed.fasha@uop.edu.jo::cc64f42d-a1a6-4f08-b97b-0c37f877119f" providerId="AD" clId="Web-{743DE9A7-FD69-D988-D276-D6EB926D7F18}" dt="2025-04-15T04:05:33.208" v="66"/>
-          <ac:spMkLst>
-            <pc:docMk/>
-            <pc:sldMk cId="284403422" sldId="309"/>
-            <ac:spMk id="13" creationId="{D2005305-5D30-549D-46DE-B3D23AAAFB73}"/>
-          </ac:spMkLst>
-        </pc:spChg>
-        <pc:picChg chg="add del mod ord">
-          <ac:chgData name="Mohammed Fasha" userId="S::mohammed.fasha@uop.edu.jo::cc64f42d-a1a6-4f08-b97b-0c37f877119f" providerId="AD" clId="Web-{743DE9A7-FD69-D988-D276-D6EB926D7F18}" dt="2025-04-15T04:03:05.656" v="8"/>
-          <ac:picMkLst>
-            <pc:docMk/>
-            <pc:sldMk cId="284403422" sldId="309"/>
-            <ac:picMk id="4" creationId="{9AE292CF-FB16-28F6-9D38-6BE699C6901C}"/>
-          </ac:picMkLst>
-        </pc:picChg>
-        <pc:picChg chg="add del mod ord">
-          <ac:chgData name="Mohammed Fasha" userId="S::mohammed.fasha@uop.edu.jo::cc64f42d-a1a6-4f08-b97b-0c37f877119f" providerId="AD" clId="Web-{743DE9A7-FD69-D988-D276-D6EB926D7F18}" dt="2025-04-15T04:04:15.893" v="23"/>
-          <ac:picMkLst>
-            <pc:docMk/>
-            <pc:sldMk cId="284403422" sldId="309"/>
-            <ac:picMk id="5" creationId="{F2F0E9EA-F2A7-4E6C-A611-D3B22F8DB603}"/>
-          </ac:picMkLst>
-        </pc:picChg>
-        <pc:picChg chg="add del mod">
-          <ac:chgData name="Mohammed Fasha" userId="S::mohammed.fasha@uop.edu.jo::cc64f42d-a1a6-4f08-b97b-0c37f877119f" providerId="AD" clId="Web-{743DE9A7-FD69-D988-D276-D6EB926D7F18}" dt="2025-04-15T04:03:54.658" v="16"/>
-          <ac:picMkLst>
-            <pc:docMk/>
-            <pc:sldMk cId="284403422" sldId="309"/>
-            <ac:picMk id="6" creationId="{09B859C1-1D23-0C0F-9D27-BEBD18A39028}"/>
-          </ac:picMkLst>
-        </pc:picChg>
-        <pc:picChg chg="add mod">
-          <ac:chgData name="Mohammed Fasha" userId="S::mohammed.fasha@uop.edu.jo::cc64f42d-a1a6-4f08-b97b-0c37f877119f" providerId="AD" clId="Web-{743DE9A7-FD69-D988-D276-D6EB926D7F18}" dt="2025-04-15T04:05:11.770" v="47" actId="1076"/>
-          <ac:picMkLst>
-            <pc:docMk/>
-            <pc:sldMk cId="284403422" sldId="309"/>
-            <ac:picMk id="9" creationId="{23D4CC23-AF9C-9389-BF94-A91C5AA33C67}"/>
-          </ac:picMkLst>
-        </pc:picChg>
-      </pc:sldChg>
-      <pc:sldChg chg="addSp delSp modSp new">
-        <pc:chgData name="Mohammed Fasha" userId="S::mohammed.fasha@uop.edu.jo::cc64f42d-a1a6-4f08-b97b-0c37f877119f" providerId="AD" clId="Web-{743DE9A7-FD69-D988-D276-D6EB926D7F18}" dt="2025-04-15T04:05:42.927" v="69" actId="20577"/>
-        <pc:sldMkLst>
-          <pc:docMk/>
-          <pc:sldMk cId="3625093760" sldId="310"/>
-        </pc:sldMkLst>
-        <pc:spChg chg="mod">
-          <ac:chgData name="Mohammed Fasha" userId="S::mohammed.fasha@uop.edu.jo::cc64f42d-a1a6-4f08-b97b-0c37f877119f" providerId="AD" clId="Web-{743DE9A7-FD69-D988-D276-D6EB926D7F18}" dt="2025-04-15T04:05:42.927" v="69" actId="20577"/>
-          <ac:spMkLst>
-            <pc:docMk/>
-            <pc:sldMk cId="3625093760" sldId="310"/>
-            <ac:spMk id="2" creationId="{B0235584-557D-ACA7-77F1-498EAFF042C5}"/>
-          </ac:spMkLst>
-        </pc:spChg>
-        <pc:spChg chg="del">
-          <ac:chgData name="Mohammed Fasha" userId="S::mohammed.fasha@uop.edu.jo::cc64f42d-a1a6-4f08-b97b-0c37f877119f" providerId="AD" clId="Web-{743DE9A7-FD69-D988-D276-D6EB926D7F18}" dt="2025-04-15T04:04:02.518" v="18"/>
-          <ac:spMkLst>
-            <pc:docMk/>
-            <pc:sldMk cId="3625093760" sldId="310"/>
-            <ac:spMk id="3" creationId="{D963FDE0-1CA8-0998-858D-D2FE6E52B8DF}"/>
-          </ac:spMkLst>
-        </pc:spChg>
-        <pc:picChg chg="add mod ord">
-          <ac:chgData name="Mohammed Fasha" userId="S::mohammed.fasha@uop.edu.jo::cc64f42d-a1a6-4f08-b97b-0c37f877119f" providerId="AD" clId="Web-{743DE9A7-FD69-D988-D276-D6EB926D7F18}" dt="2025-04-15T04:04:08.440" v="20" actId="1076"/>
-          <ac:picMkLst>
-            <pc:docMk/>
-            <pc:sldMk cId="3625093760" sldId="310"/>
-            <ac:picMk id="4" creationId="{3778BDC6-93A7-B306-D888-BF7B3767383C}"/>
-          </ac:picMkLst>
-        </pc:picChg>
-      </pc:sldChg>
-    </pc:docChg>
-  </pc:docChgLst>
-  <pc:docChgLst>
-    <pc:chgData name="Mohammed Fasha" userId="S::mohammed.fasha@uop.edu.jo::cc64f42d-a1a6-4f08-b97b-0c37f877119f" providerId="AD" clId="Web-{9DEFE369-4FE8-C0FA-AE89-88E89C96B65F}"/>
-    <pc:docChg chg="modSld">
-      <pc:chgData name="Mohammed Fasha" userId="S::mohammed.fasha@uop.edu.jo::cc64f42d-a1a6-4f08-b97b-0c37f877119f" providerId="AD" clId="Web-{9DEFE369-4FE8-C0FA-AE89-88E89C96B65F}" dt="2025-04-07T19:02:15.269" v="50" actId="1076"/>
-      <pc:docMkLst>
-        <pc:docMk/>
-      </pc:docMkLst>
-      <pc:sldChg chg="modSp">
-        <pc:chgData name="Mohammed Fasha" userId="S::mohammed.fasha@uop.edu.jo::cc64f42d-a1a6-4f08-b97b-0c37f877119f" providerId="AD" clId="Web-{9DEFE369-4FE8-C0FA-AE89-88E89C96B65F}" dt="2025-04-07T19:02:15.269" v="50" actId="1076"/>
-        <pc:sldMkLst>
-          <pc:docMk/>
-          <pc:sldMk cId="0" sldId="264"/>
-        </pc:sldMkLst>
-        <pc:picChg chg="mod">
-          <ac:chgData name="Mohammed Fasha" userId="S::mohammed.fasha@uop.edu.jo::cc64f42d-a1a6-4f08-b97b-0c37f877119f" providerId="AD" clId="Web-{9DEFE369-4FE8-C0FA-AE89-88E89C96B65F}" dt="2025-04-07T19:02:15.269" v="50" actId="1076"/>
-          <ac:picMkLst>
-            <pc:docMk/>
-            <pc:sldMk cId="0" sldId="264"/>
-            <ac:picMk id="115" creationId="{00000000-0000-0000-0000-000000000000}"/>
-          </ac:picMkLst>
-        </pc:picChg>
-      </pc:sldChg>
-      <pc:sldChg chg="modSp">
-        <pc:chgData name="Mohammed Fasha" userId="S::mohammed.fasha@uop.edu.jo::cc64f42d-a1a6-4f08-b97b-0c37f877119f" providerId="AD" clId="Web-{9DEFE369-4FE8-C0FA-AE89-88E89C96B65F}" dt="2025-04-07T19:02:08.988" v="49" actId="1076"/>
-        <pc:sldMkLst>
-          <pc:docMk/>
-          <pc:sldMk cId="0" sldId="265"/>
-        </pc:sldMkLst>
-        <pc:picChg chg="mod">
-          <ac:chgData name="Mohammed Fasha" userId="S::mohammed.fasha@uop.edu.jo::cc64f42d-a1a6-4f08-b97b-0c37f877119f" providerId="AD" clId="Web-{9DEFE369-4FE8-C0FA-AE89-88E89C96B65F}" dt="2025-04-07T19:02:08.988" v="49" actId="1076"/>
-          <ac:picMkLst>
-            <pc:docMk/>
-            <pc:sldMk cId="0" sldId="265"/>
-            <ac:picMk id="3" creationId="{68EA6CB0-BFE2-482A-D045-9E2274E13790}"/>
-          </ac:picMkLst>
-        </pc:picChg>
-      </pc:sldChg>
-      <pc:sldChg chg="modSp">
-        <pc:chgData name="Mohammed Fasha" userId="S::mohammed.fasha@uop.edu.jo::cc64f42d-a1a6-4f08-b97b-0c37f877119f" providerId="AD" clId="Web-{9DEFE369-4FE8-C0FA-AE89-88E89C96B65F}" dt="2025-04-07T19:02:02.675" v="48" actId="1076"/>
-        <pc:sldMkLst>
-          <pc:docMk/>
-          <pc:sldMk cId="0" sldId="266"/>
-        </pc:sldMkLst>
-        <pc:picChg chg="mod">
-          <ac:chgData name="Mohammed Fasha" userId="S::mohammed.fasha@uop.edu.jo::cc64f42d-a1a6-4f08-b97b-0c37f877119f" providerId="AD" clId="Web-{9DEFE369-4FE8-C0FA-AE89-88E89C96B65F}" dt="2025-04-07T19:02:02.675" v="48" actId="1076"/>
-          <ac:picMkLst>
-            <pc:docMk/>
-            <pc:sldMk cId="0" sldId="266"/>
-            <ac:picMk id="3" creationId="{53D1A3D5-A337-E152-A2D3-43439D59A1BE}"/>
-          </ac:picMkLst>
-        </pc:picChg>
-      </pc:sldChg>
-      <pc:sldChg chg="modSp">
-        <pc:chgData name="Mohammed Fasha" userId="S::mohammed.fasha@uop.edu.jo::cc64f42d-a1a6-4f08-b97b-0c37f877119f" providerId="AD" clId="Web-{9DEFE369-4FE8-C0FA-AE89-88E89C96B65F}" dt="2025-04-07T19:01:55.612" v="47" actId="1076"/>
-        <pc:sldMkLst>
-          <pc:docMk/>
-          <pc:sldMk cId="0" sldId="270"/>
-        </pc:sldMkLst>
-        <pc:picChg chg="mod">
-          <ac:chgData name="Mohammed Fasha" userId="S::mohammed.fasha@uop.edu.jo::cc64f42d-a1a6-4f08-b97b-0c37f877119f" providerId="AD" clId="Web-{9DEFE369-4FE8-C0FA-AE89-88E89C96B65F}" dt="2025-04-07T19:01:55.612" v="47" actId="1076"/>
-          <ac:picMkLst>
-            <pc:docMk/>
-            <pc:sldMk cId="0" sldId="270"/>
-            <ac:picMk id="3" creationId="{E9501D06-4E28-42B8-54EC-6C48C4567DB7}"/>
-          </ac:picMkLst>
-        </pc:picChg>
-      </pc:sldChg>
-      <pc:sldChg chg="modSp">
-        <pc:chgData name="Mohammed Fasha" userId="S::mohammed.fasha@uop.edu.jo::cc64f42d-a1a6-4f08-b97b-0c37f877119f" providerId="AD" clId="Web-{9DEFE369-4FE8-C0FA-AE89-88E89C96B65F}" dt="2025-04-07T19:01:49.472" v="46" actId="1076"/>
-        <pc:sldMkLst>
-          <pc:docMk/>
-          <pc:sldMk cId="0" sldId="274"/>
-        </pc:sldMkLst>
-        <pc:picChg chg="mod">
-          <ac:chgData name="Mohammed Fasha" userId="S::mohammed.fasha@uop.edu.jo::cc64f42d-a1a6-4f08-b97b-0c37f877119f" providerId="AD" clId="Web-{9DEFE369-4FE8-C0FA-AE89-88E89C96B65F}" dt="2025-04-07T19:01:49.472" v="46" actId="1076"/>
-          <ac:picMkLst>
-            <pc:docMk/>
-            <pc:sldMk cId="0" sldId="274"/>
-            <ac:picMk id="3" creationId="{2137DE1E-E18E-A534-77E6-28A80EF44BD2}"/>
-          </ac:picMkLst>
-        </pc:picChg>
-      </pc:sldChg>
-      <pc:sldChg chg="modSp">
-        <pc:chgData name="Mohammed Fasha" userId="S::mohammed.fasha@uop.edu.jo::cc64f42d-a1a6-4f08-b97b-0c37f877119f" providerId="AD" clId="Web-{9DEFE369-4FE8-C0FA-AE89-88E89C96B65F}" dt="2025-04-07T19:01:39.424" v="45" actId="1076"/>
-        <pc:sldMkLst>
-          <pc:docMk/>
-          <pc:sldMk cId="0" sldId="277"/>
-        </pc:sldMkLst>
-        <pc:picChg chg="mod">
-          <ac:chgData name="Mohammed Fasha" userId="S::mohammed.fasha@uop.edu.jo::cc64f42d-a1a6-4f08-b97b-0c37f877119f" providerId="AD" clId="Web-{9DEFE369-4FE8-C0FA-AE89-88E89C96B65F}" dt="2025-04-07T19:01:39.424" v="45" actId="1076"/>
-          <ac:picMkLst>
-            <pc:docMk/>
-            <pc:sldMk cId="0" sldId="277"/>
-            <ac:picMk id="3" creationId="{12B2D59F-BB12-6EC1-7754-F99FB98DC6B1}"/>
-          </ac:picMkLst>
-        </pc:picChg>
-      </pc:sldChg>
-      <pc:sldChg chg="modSp">
-        <pc:chgData name="Mohammed Fasha" userId="S::mohammed.fasha@uop.edu.jo::cc64f42d-a1a6-4f08-b97b-0c37f877119f" providerId="AD" clId="Web-{9DEFE369-4FE8-C0FA-AE89-88E89C96B65F}" dt="2025-04-07T19:01:20.830" v="42" actId="1076"/>
-        <pc:sldMkLst>
-          <pc:docMk/>
-          <pc:sldMk cId="0" sldId="281"/>
-        </pc:sldMkLst>
-        <pc:picChg chg="mod">
-          <ac:chgData name="Mohammed Fasha" userId="S::mohammed.fasha@uop.edu.jo::cc64f42d-a1a6-4f08-b97b-0c37f877119f" providerId="AD" clId="Web-{9DEFE369-4FE8-C0FA-AE89-88E89C96B65F}" dt="2025-04-07T19:01:20.830" v="42" actId="1076"/>
-          <ac:picMkLst>
-            <pc:docMk/>
-            <pc:sldMk cId="0" sldId="281"/>
-            <ac:picMk id="4" creationId="{C1F36920-6CAD-70BE-C466-935BEA705640}"/>
-          </ac:picMkLst>
-        </pc:picChg>
-      </pc:sldChg>
-      <pc:sldChg chg="addSp delSp modSp">
-        <pc:chgData name="Mohammed Fasha" userId="S::mohammed.fasha@uop.edu.jo::cc64f42d-a1a6-4f08-b97b-0c37f877119f" providerId="AD" clId="Web-{9DEFE369-4FE8-C0FA-AE89-88E89C96B65F}" dt="2025-04-07T19:00:40.751" v="41" actId="14100"/>
-        <pc:sldMkLst>
-          <pc:docMk/>
-          <pc:sldMk cId="566407149" sldId="307"/>
-        </pc:sldMkLst>
-        <pc:spChg chg="add del mod">
-          <ac:chgData name="Mohammed Fasha" userId="S::mohammed.fasha@uop.edu.jo::cc64f42d-a1a6-4f08-b97b-0c37f877119f" providerId="AD" clId="Web-{9DEFE369-4FE8-C0FA-AE89-88E89C96B65F}" dt="2025-04-07T18:57:07.869" v="14"/>
-          <ac:spMkLst>
-            <pc:docMk/>
-            <pc:sldMk cId="566407149" sldId="307"/>
-            <ac:spMk id="4" creationId="{0040CD8B-1B26-3594-C154-7524D9A6B713}"/>
-          </ac:spMkLst>
-        </pc:spChg>
-        <pc:spChg chg="add del mod">
-          <ac:chgData name="Mohammed Fasha" userId="S::mohammed.fasha@uop.edu.jo::cc64f42d-a1a6-4f08-b97b-0c37f877119f" providerId="AD" clId="Web-{9DEFE369-4FE8-C0FA-AE89-88E89C96B65F}" dt="2025-04-07T18:57:38.979" v="23"/>
-          <ac:spMkLst>
-            <pc:docMk/>
-            <pc:sldMk cId="566407149" sldId="307"/>
-            <ac:spMk id="8" creationId="{9DAC81FE-CF6A-619C-BE80-FA4ADE6B1065}"/>
-          </ac:spMkLst>
-        </pc:spChg>
-        <pc:picChg chg="add del mod ord">
-          <ac:chgData name="Mohammed Fasha" userId="S::mohammed.fasha@uop.edu.jo::cc64f42d-a1a6-4f08-b97b-0c37f877119f" providerId="AD" clId="Web-{9DEFE369-4FE8-C0FA-AE89-88E89C96B65F}" dt="2025-04-07T18:57:04.447" v="13"/>
-          <ac:picMkLst>
-            <pc:docMk/>
-            <pc:sldMk cId="566407149" sldId="307"/>
-            <ac:picMk id="5" creationId="{8EDC12A8-6612-7EAD-4B49-73F846796682}"/>
-          </ac:picMkLst>
-        </pc:picChg>
-        <pc:picChg chg="add del mod">
-          <ac:chgData name="Mohammed Fasha" userId="S::mohammed.fasha@uop.edu.jo::cc64f42d-a1a6-4f08-b97b-0c37f877119f" providerId="AD" clId="Web-{9DEFE369-4FE8-C0FA-AE89-88E89C96B65F}" dt="2025-04-07T18:58:07.652" v="33" actId="14100"/>
-          <ac:picMkLst>
-            <pc:docMk/>
-            <pc:sldMk cId="566407149" sldId="307"/>
-            <ac:picMk id="7" creationId="{52F9A5DE-4DA5-02A4-E05C-513BE84CC55D}"/>
-          </ac:picMkLst>
-        </pc:picChg>
-        <pc:picChg chg="mod">
-          <ac:chgData name="Mohammed Fasha" userId="S::mohammed.fasha@uop.edu.jo::cc64f42d-a1a6-4f08-b97b-0c37f877119f" providerId="AD" clId="Web-{9DEFE369-4FE8-C0FA-AE89-88E89C96B65F}" dt="2025-04-07T18:58:16.371" v="37" actId="1076"/>
-          <ac:picMkLst>
-            <pc:docMk/>
-            <pc:sldMk cId="566407149" sldId="307"/>
-            <ac:picMk id="9" creationId="{A97FD6D9-93B3-C33B-BA1A-25EAA798FBF7}"/>
-          </ac:picMkLst>
-        </pc:picChg>
-        <pc:picChg chg="add del mod ord">
-          <ac:chgData name="Mohammed Fasha" userId="S::mohammed.fasha@uop.edu.jo::cc64f42d-a1a6-4f08-b97b-0c37f877119f" providerId="AD" clId="Web-{9DEFE369-4FE8-C0FA-AE89-88E89C96B65F}" dt="2025-04-07T18:57:37.432" v="22"/>
-          <ac:picMkLst>
-            <pc:docMk/>
-            <pc:sldMk cId="566407149" sldId="307"/>
-            <ac:picMk id="10" creationId="{0AB83646-5D5F-02CD-6927-39E6A68A00E2}"/>
-          </ac:picMkLst>
-        </pc:picChg>
-        <pc:picChg chg="mod">
-          <ac:chgData name="Mohammed Fasha" userId="S::mohammed.fasha@uop.edu.jo::cc64f42d-a1a6-4f08-b97b-0c37f877119f" providerId="AD" clId="Web-{9DEFE369-4FE8-C0FA-AE89-88E89C96B65F}" dt="2025-04-07T19:00:40.751" v="41" actId="14100"/>
-          <ac:picMkLst>
-            <pc:docMk/>
-            <pc:sldMk cId="566407149" sldId="307"/>
-            <ac:picMk id="11" creationId="{0402BC08-439D-17A5-DBFC-F0D1CA4DBB8D}"/>
-          </ac:picMkLst>
-        </pc:picChg>
-      </pc:sldChg>
-      <pc:sldChg chg="modSp">
-        <pc:chgData name="Mohammed Fasha" userId="S::mohammed.fasha@uop.edu.jo::cc64f42d-a1a6-4f08-b97b-0c37f877119f" providerId="AD" clId="Web-{9DEFE369-4FE8-C0FA-AE89-88E89C96B65F}" dt="2025-04-07T19:00:05.250" v="39" actId="1076"/>
-        <pc:sldMkLst>
-          <pc:docMk/>
-          <pc:sldMk cId="2501734364" sldId="308"/>
-        </pc:sldMkLst>
-        <pc:picChg chg="mod">
-          <ac:chgData name="Mohammed Fasha" userId="S::mohammed.fasha@uop.edu.jo::cc64f42d-a1a6-4f08-b97b-0c37f877119f" providerId="AD" clId="Web-{9DEFE369-4FE8-C0FA-AE89-88E89C96B65F}" dt="2025-04-07T19:00:02.374" v="38" actId="14100"/>
-          <ac:picMkLst>
-            <pc:docMk/>
-            <pc:sldMk cId="2501734364" sldId="308"/>
-            <ac:picMk id="9" creationId="{F079DF9D-D91F-8F19-E096-CEB55AE60F5E}"/>
-          </ac:picMkLst>
-        </pc:picChg>
-        <pc:picChg chg="mod">
-          <ac:chgData name="Mohammed Fasha" userId="S::mohammed.fasha@uop.edu.jo::cc64f42d-a1a6-4f08-b97b-0c37f877119f" providerId="AD" clId="Web-{9DEFE369-4FE8-C0FA-AE89-88E89C96B65F}" dt="2025-04-07T19:00:05.250" v="39" actId="1076"/>
-          <ac:picMkLst>
-            <pc:docMk/>
-            <pc:sldMk cId="2501734364" sldId="308"/>
-            <ac:picMk id="11" creationId="{A62FBA81-FB50-9A3F-4551-5D02D03696AD}"/>
-          </ac:picMkLst>
-        </pc:picChg>
       </pc:sldChg>
     </pc:docChg>
   </pc:docChgLst>
@@ -6895,7 +6517,7 @@
           <a:p>
             <a:fld id="{13BA03A4-B9F1-404C-8A74-B1AFD6480953}" type="datetimeFigureOut">
               <a:rPr lang="en-US" smtClean="0"/>
-              <a:t>4/14/2025</a:t>
+              <a:t>5/18/2025</a:t>
             </a:fld>
             <a:endParaRPr lang="en-US"/>
           </a:p>
@@ -7309,7 +6931,7 @@
           <a:p>
             <a:fld id="{0DB78E95-DE77-44D3-BDB9-E242948FB112}" type="datetimeFigureOut">
               <a:rPr lang="en-US" smtClean="0"/>
-              <a:t>4/14/2025</a:t>
+              <a:t>5/18/2025</a:t>
             </a:fld>
             <a:endParaRPr lang="en-US"/>
           </a:p>
@@ -7537,7 +7159,7 @@
           <a:p>
             <a:fld id="{0DB78E95-DE77-44D3-BDB9-E242948FB112}" type="datetimeFigureOut">
               <a:rPr lang="en-US" smtClean="0"/>
-              <a:t>4/14/2025</a:t>
+              <a:t>5/18/2025</a:t>
             </a:fld>
             <a:endParaRPr lang="en-US"/>
           </a:p>
@@ -7745,7 +7367,7 @@
           <a:p>
             <a:fld id="{0DB78E95-DE77-44D3-BDB9-E242948FB112}" type="datetimeFigureOut">
               <a:rPr lang="en-US" smtClean="0"/>
-              <a:t>4/14/2025</a:t>
+              <a:t>5/18/2025</a:t>
             </a:fld>
             <a:endParaRPr lang="en-US"/>
           </a:p>
@@ -8472,7 +8094,7 @@
           <a:p>
             <a:fld id="{0DB78E95-DE77-44D3-BDB9-E242948FB112}" type="datetimeFigureOut">
               <a:rPr lang="en-US" smtClean="0"/>
-              <a:t>4/14/2025</a:t>
+              <a:t>5/18/2025</a:t>
             </a:fld>
             <a:endParaRPr lang="en-US"/>
           </a:p>
@@ -8851,7 +8473,7 @@
           <a:p>
             <a:fld id="{0DB78E95-DE77-44D3-BDB9-E242948FB112}" type="datetimeFigureOut">
               <a:rPr lang="en-US" smtClean="0"/>
-              <a:t>4/14/2025</a:t>
+              <a:t>5/18/2025</a:t>
             </a:fld>
             <a:endParaRPr lang="en-US"/>
           </a:p>
@@ -9263,7 +8885,7 @@
           <a:p>
             <a:fld id="{0DB78E95-DE77-44D3-BDB9-E242948FB112}" type="datetimeFigureOut">
               <a:rPr lang="en-US" smtClean="0"/>
-              <a:t>4/14/2025</a:t>
+              <a:t>5/18/2025</a:t>
             </a:fld>
             <a:endParaRPr lang="en-US"/>
           </a:p>
@@ -9404,7 +9026,7 @@
           <a:p>
             <a:fld id="{0DB78E95-DE77-44D3-BDB9-E242948FB112}" type="datetimeFigureOut">
               <a:rPr lang="en-US" smtClean="0"/>
-              <a:t>4/14/2025</a:t>
+              <a:t>5/18/2025</a:t>
             </a:fld>
             <a:endParaRPr lang="en-US"/>
           </a:p>
@@ -9517,7 +9139,7 @@
           <a:p>
             <a:fld id="{0DB78E95-DE77-44D3-BDB9-E242948FB112}" type="datetimeFigureOut">
               <a:rPr lang="en-US" smtClean="0"/>
-              <a:t>4/14/2025</a:t>
+              <a:t>5/18/2025</a:t>
             </a:fld>
             <a:endParaRPr lang="en-US"/>
           </a:p>
@@ -9828,7 +9450,7 @@
           <a:p>
             <a:fld id="{0DB78E95-DE77-44D3-BDB9-E242948FB112}" type="datetimeFigureOut">
               <a:rPr lang="en-US" smtClean="0"/>
-              <a:t>4/14/2025</a:t>
+              <a:t>5/18/2025</a:t>
             </a:fld>
             <a:endParaRPr lang="en-US"/>
           </a:p>
@@ -10116,7 +9738,7 @@
           <a:p>
             <a:fld id="{0DB78E95-DE77-44D3-BDB9-E242948FB112}" type="datetimeFigureOut">
               <a:rPr lang="en-US" smtClean="0"/>
-              <a:t>4/14/2025</a:t>
+              <a:t>5/18/2025</a:t>
             </a:fld>
             <a:endParaRPr lang="en-US"/>
           </a:p>
@@ -10357,7 +9979,7 @@
           <a:p>
             <a:fld id="{0DB78E95-DE77-44D3-BDB9-E242948FB112}" type="datetimeFigureOut">
               <a:rPr lang="en-US" smtClean="0"/>
-              <a:t>4/14/2025</a:t>
+              <a:t>5/18/2025</a:t>
             </a:fld>
             <a:endParaRPr lang="en-US"/>
           </a:p>
@@ -26090,11 +25712,11 @@
       </p:sp>
       <p:pic>
         <p:nvPicPr>
-          <p:cNvPr id="4" name="Graphic 6">
+          <p:cNvPr id="2" name="Graphic 6">
             <a:hlinkClick r:id="rId3"/>
             <a:extLst>
               <a:ext uri="{FF2B5EF4-FFF2-40B4-BE49-F238E27FC236}">
-                <a16:creationId xmlns:a16="http://schemas.microsoft.com/office/drawing/2014/main" id="{C1F36920-6CAD-70BE-C466-935BEA705640}"/>
+                <a16:creationId xmlns:a16="http://schemas.microsoft.com/office/drawing/2014/main" id="{A2625387-7336-9286-6E97-931A095E1298}"/>
               </a:ext>
             </a:extLst>
           </p:cNvPr>
@@ -26113,7 +25735,7 @@
         </p:blipFill>
         <p:spPr>
           <a:xfrm>
-            <a:off x="10518664" y="6231240"/>
+            <a:off x="10525408" y="6231240"/>
             <a:ext cx="1114200" cy="190080"/>
           </a:xfrm>
           <a:prstGeom prst="rect">
@@ -31835,32 +31457,39 @@
       </p:sp>
       <p:pic>
         <p:nvPicPr>
-          <p:cNvPr id="3" name="Picture 2">
+          <p:cNvPr id="4" name="Graphic 6">
+            <a:hlinkClick r:id="rId2"/>
             <a:extLst>
               <a:ext uri="{FF2B5EF4-FFF2-40B4-BE49-F238E27FC236}">
-                <a16:creationId xmlns:a16="http://schemas.microsoft.com/office/drawing/2014/main" id="{7E335CC5-CC5A-4EDC-EFCF-AD1985688A1C}"/>
+                <a16:creationId xmlns:a16="http://schemas.microsoft.com/office/drawing/2014/main" id="{1D6BB95D-A0AB-2FF7-1582-FD1642BFB604}"/>
               </a:ext>
             </a:extLst>
           </p:cNvPr>
-          <p:cNvPicPr>
-            <a:picLocks noChangeAspect="1"/>
-          </p:cNvPicPr>
+          <p:cNvPicPr/>
           <p:nvPr/>
         </p:nvPicPr>
         <p:blipFill>
-          <a:blip r:embed="rId2"/>
-          <a:stretch>
-            <a:fillRect/>
-          </a:stretch>
+          <a:blip r:embed="rId3">
+            <a:extLst>
+              <a:ext uri="{96DAC541-7B7A-43D3-8B79-37D633B846F1}">
+                <asvg:svgBlip xmlns:asvg="http://schemas.microsoft.com/office/drawing/2016/SVG/main" r:embed="rId4"/>
+              </a:ext>
+            </a:extLst>
+          </a:blip>
+          <a:stretch/>
         </p:blipFill>
         <p:spPr>
           <a:xfrm>
-            <a:off x="7536431" y="2173317"/>
-            <a:ext cx="1466850" cy="285750"/>
+            <a:off x="7535072" y="2184402"/>
+            <a:ext cx="1114200" cy="190080"/>
           </a:xfrm>
           <a:prstGeom prst="rect">
             <a:avLst/>
           </a:prstGeom>
+          <a:noFill/>
+          <a:ln w="0">
+            <a:noFill/>
+          </a:ln>
         </p:spPr>
       </p:pic>
     </p:spTree>
